--- a/presentation/enthought_gkakareko.pptx
+++ b/presentation/enthought_gkakareko.pptx
@@ -6,25 +6,26 @@
     <p:sldMasterId id="2147483710" r:id="rId5"/>
   </p:sldMasterIdLst>
   <p:handoutMasterIdLst>
-    <p:handoutMasterId r:id="rId22"/>
+    <p:handoutMasterId r:id="rId23"/>
   </p:handoutMasterIdLst>
   <p:sldIdLst>
     <p:sldId id="256" r:id="rId6"/>
     <p:sldId id="362" r:id="rId7"/>
     <p:sldId id="357" r:id="rId8"/>
-    <p:sldId id="346" r:id="rId9"/>
-    <p:sldId id="311" r:id="rId10"/>
-    <p:sldId id="344" r:id="rId11"/>
-    <p:sldId id="359" r:id="rId12"/>
-    <p:sldId id="361" r:id="rId13"/>
-    <p:sldId id="336" r:id="rId14"/>
-    <p:sldId id="317" r:id="rId15"/>
-    <p:sldId id="313" r:id="rId16"/>
-    <p:sldId id="358" r:id="rId17"/>
-    <p:sldId id="360" r:id="rId18"/>
-    <p:sldId id="324" r:id="rId19"/>
-    <p:sldId id="266" r:id="rId20"/>
-    <p:sldId id="312" r:id="rId21"/>
+    <p:sldId id="363" r:id="rId9"/>
+    <p:sldId id="346" r:id="rId10"/>
+    <p:sldId id="311" r:id="rId11"/>
+    <p:sldId id="344" r:id="rId12"/>
+    <p:sldId id="359" r:id="rId13"/>
+    <p:sldId id="361" r:id="rId14"/>
+    <p:sldId id="336" r:id="rId15"/>
+    <p:sldId id="317" r:id="rId16"/>
+    <p:sldId id="313" r:id="rId17"/>
+    <p:sldId id="358" r:id="rId18"/>
+    <p:sldId id="360" r:id="rId19"/>
+    <p:sldId id="324" r:id="rId20"/>
+    <p:sldId id="266" r:id="rId21"/>
+    <p:sldId id="312" r:id="rId22"/>
   </p:sldIdLst>
   <p:sldSz cx="14630400" cy="8229600"/>
   <p:notesSz cx="10234613" cy="14662150"/>
@@ -248,7 +249,7 @@
           <a:p>
             <a:fld id="{A0596B23-2673-4500-A745-4BB12A776F99}" type="datetimeFigureOut">
               <a:rPr lang="en-US" smtClean="0"/>
-              <a:t>10/15/2019</a:t>
+              <a:t>10/16/2019</a:t>
             </a:fld>
             <a:endParaRPr lang="en-US"/>
           </a:p>
@@ -3434,7 +3435,7 @@
           <a:p>
             <a:fld id="{2EC5C51F-E41B-4B8B-8153-CE1085C9FCAA}" type="datetimeFigureOut">
               <a:rPr lang="en-US" smtClean="0"/>
-              <a:t>10/15/2019</a:t>
+              <a:t>10/16/2019</a:t>
             </a:fld>
             <a:endParaRPr lang="en-US"/>
           </a:p>
@@ -3632,7 +3633,7 @@
           <a:p>
             <a:fld id="{2EC5C51F-E41B-4B8B-8153-CE1085C9FCAA}" type="datetimeFigureOut">
               <a:rPr lang="en-US" smtClean="0"/>
-              <a:t>10/15/2019</a:t>
+              <a:t>10/16/2019</a:t>
             </a:fld>
             <a:endParaRPr lang="en-US"/>
           </a:p>
@@ -4061,7 +4062,7 @@
           <a:p>
             <a:fld id="{2EC5C51F-E41B-4B8B-8153-CE1085C9FCAA}" type="datetimeFigureOut">
               <a:rPr lang="en-US" smtClean="0"/>
-              <a:t>10/15/2019</a:t>
+              <a:t>10/16/2019</a:t>
             </a:fld>
             <a:endParaRPr lang="en-US"/>
           </a:p>
@@ -4326,7 +4327,7 @@
           <a:p>
             <a:fld id="{2EC5C51F-E41B-4B8B-8153-CE1085C9FCAA}" type="datetimeFigureOut">
               <a:rPr lang="en-US" smtClean="0"/>
-              <a:t>10/15/2019</a:t>
+              <a:t>10/16/2019</a:t>
             </a:fld>
             <a:endParaRPr lang="en-US"/>
           </a:p>
@@ -4738,7 +4739,7 @@
           <a:p>
             <a:fld id="{2EC5C51F-E41B-4B8B-8153-CE1085C9FCAA}" type="datetimeFigureOut">
               <a:rPr lang="en-US" smtClean="0"/>
-              <a:t>10/15/2019</a:t>
+              <a:t>10/16/2019</a:t>
             </a:fld>
             <a:endParaRPr lang="en-US"/>
           </a:p>
@@ -4879,7 +4880,7 @@
           <a:p>
             <a:fld id="{2EC5C51F-E41B-4B8B-8153-CE1085C9FCAA}" type="datetimeFigureOut">
               <a:rPr lang="en-US" smtClean="0"/>
-              <a:t>10/15/2019</a:t>
+              <a:t>10/16/2019</a:t>
             </a:fld>
             <a:endParaRPr lang="en-US"/>
           </a:p>
@@ -4992,7 +4993,7 @@
           <a:p>
             <a:fld id="{2EC5C51F-E41B-4B8B-8153-CE1085C9FCAA}" type="datetimeFigureOut">
               <a:rPr lang="en-US" smtClean="0"/>
-              <a:t>10/15/2019</a:t>
+              <a:t>10/16/2019</a:t>
             </a:fld>
             <a:endParaRPr lang="en-US"/>
           </a:p>
@@ -5303,7 +5304,7 @@
           <a:p>
             <a:fld id="{2EC5C51F-E41B-4B8B-8153-CE1085C9FCAA}" type="datetimeFigureOut">
               <a:rPr lang="en-US" smtClean="0"/>
-              <a:t>10/15/2019</a:t>
+              <a:t>10/16/2019</a:t>
             </a:fld>
             <a:endParaRPr lang="en-US"/>
           </a:p>
@@ -5591,7 +5592,7 @@
           <a:p>
             <a:fld id="{2EC5C51F-E41B-4B8B-8153-CE1085C9FCAA}" type="datetimeFigureOut">
               <a:rPr lang="en-US" smtClean="0"/>
-              <a:t>10/15/2019</a:t>
+              <a:t>10/16/2019</a:t>
             </a:fld>
             <a:endParaRPr lang="en-US"/>
           </a:p>
@@ -5789,7 +5790,7 @@
           <a:p>
             <a:fld id="{2EC5C51F-E41B-4B8B-8153-CE1085C9FCAA}" type="datetimeFigureOut">
               <a:rPr lang="en-US" smtClean="0"/>
-              <a:t>10/15/2019</a:t>
+              <a:t>10/16/2019</a:t>
             </a:fld>
             <a:endParaRPr lang="en-US"/>
           </a:p>
@@ -5997,7 +5998,7 @@
           <a:p>
             <a:fld id="{2EC5C51F-E41B-4B8B-8153-CE1085C9FCAA}" type="datetimeFigureOut">
               <a:rPr lang="en-US" smtClean="0"/>
-              <a:t>10/15/2019</a:t>
+              <a:t>10/16/2019</a:t>
             </a:fld>
             <a:endParaRPr lang="en-US"/>
           </a:p>
@@ -8837,7 +8838,7 @@
           <a:p>
             <a:fld id="{2EC5C51F-E41B-4B8B-8153-CE1085C9FCAA}" type="datetimeFigureOut">
               <a:rPr lang="en-US" smtClean="0"/>
-              <a:t>10/15/2019</a:t>
+              <a:t>10/16/2019</a:t>
             </a:fld>
             <a:endParaRPr lang="en-US"/>
           </a:p>
@@ -9371,6 +9372,191 @@
       </p:grpSpPr>
       <p:sp>
         <p:nvSpPr>
+          <p:cNvPr id="7" name="Title 6"/>
+          <p:cNvSpPr>
+            <a:spLocks noGrp="1"/>
+          </p:cNvSpPr>
+          <p:nvPr>
+            <p:ph type="title"/>
+          </p:nvPr>
+        </p:nvSpPr>
+        <p:spPr>
+          <a:xfrm>
+            <a:off x="369518" y="877525"/>
+            <a:ext cx="13075920" cy="910988"/>
+          </a:xfrm>
+        </p:spPr>
+        <p:txBody>
+          <a:bodyPr/>
+          <a:lstStyle/>
+          <a:p>
+            <a:r>
+              <a:rPr lang="en-US" dirty="0"/>
+              <a:t>CNN recognition  </a:t>
+            </a:r>
+          </a:p>
+        </p:txBody>
+      </p:sp>
+      <p:pic>
+        <p:nvPicPr>
+          <p:cNvPr id="3" name="Picture 2">
+            <a:extLst>
+              <a:ext uri="{FF2B5EF4-FFF2-40B4-BE49-F238E27FC236}">
+                <a16:creationId xmlns:a16="http://schemas.microsoft.com/office/drawing/2014/main" id="{129DB2F4-5502-415D-A6C3-02832E898ECB}"/>
+              </a:ext>
+            </a:extLst>
+          </p:cNvPr>
+          <p:cNvPicPr>
+            <a:picLocks noChangeAspect="1"/>
+          </p:cNvPicPr>
+          <p:nvPr/>
+        </p:nvPicPr>
+        <p:blipFill rotWithShape="1">
+          <a:blip r:embed="rId2" cstate="print">
+            <a:extLst>
+              <a:ext uri="{28A0092B-C50C-407E-A947-70E740481C1C}">
+                <a14:useLocalDpi xmlns:a14="http://schemas.microsoft.com/office/drawing/2010/main" val="0"/>
+              </a:ext>
+            </a:extLst>
+          </a:blip>
+          <a:srcRect l="20107" t="23452" r="9571" b="22262"/>
+          <a:stretch/>
+        </p:blipFill>
+        <p:spPr>
+          <a:xfrm>
+            <a:off x="143063" y="1914671"/>
+            <a:ext cx="14222821" cy="1645920"/>
+          </a:xfrm>
+          <a:prstGeom prst="rect">
+            <a:avLst/>
+          </a:prstGeom>
+        </p:spPr>
+      </p:pic>
+      <p:pic>
+        <p:nvPicPr>
+          <p:cNvPr id="4" name="Picture 3">
+            <a:extLst>
+              <a:ext uri="{FF2B5EF4-FFF2-40B4-BE49-F238E27FC236}">
+                <a16:creationId xmlns:a16="http://schemas.microsoft.com/office/drawing/2014/main" id="{EC15DF26-41F8-4B43-AFAD-1A52B853D895}"/>
+              </a:ext>
+            </a:extLst>
+          </p:cNvPr>
+          <p:cNvPicPr>
+            <a:picLocks noChangeAspect="1"/>
+          </p:cNvPicPr>
+          <p:nvPr/>
+        </p:nvPicPr>
+        <p:blipFill rotWithShape="1">
+          <a:blip r:embed="rId3" cstate="print">
+            <a:extLst>
+              <a:ext uri="{28A0092B-C50C-407E-A947-70E740481C1C}">
+                <a14:useLocalDpi xmlns:a14="http://schemas.microsoft.com/office/drawing/2010/main" val="0"/>
+              </a:ext>
+            </a:extLst>
+          </a:blip>
+          <a:srcRect l="20071" t="22500" r="9644" b="22262"/>
+          <a:stretch/>
+        </p:blipFill>
+        <p:spPr>
+          <a:xfrm>
+            <a:off x="143063" y="4516631"/>
+            <a:ext cx="13967324" cy="1645920"/>
+          </a:xfrm>
+          <a:prstGeom prst="rect">
+            <a:avLst/>
+          </a:prstGeom>
+        </p:spPr>
+      </p:pic>
+      <p:sp>
+        <p:nvSpPr>
+          <p:cNvPr id="6" name="Title 6">
+            <a:extLst>
+              <a:ext uri="{FF2B5EF4-FFF2-40B4-BE49-F238E27FC236}">
+                <a16:creationId xmlns:a16="http://schemas.microsoft.com/office/drawing/2014/main" id="{6A16274C-7ACF-40CF-A2A9-AB38DB6EF387}"/>
+              </a:ext>
+            </a:extLst>
+          </p:cNvPr>
+          <p:cNvSpPr txBox="1">
+            <a:spLocks/>
+          </p:cNvSpPr>
+          <p:nvPr/>
+        </p:nvSpPr>
+        <p:spPr bwMode="gray">
+          <a:xfrm>
+            <a:off x="457200" y="3442892"/>
+            <a:ext cx="13075920" cy="910988"/>
+          </a:xfrm>
+          <a:prstGeom prst="rect">
+            <a:avLst/>
+          </a:prstGeom>
+        </p:spPr>
+        <p:txBody>
+          <a:bodyPr vert="horz" lIns="0" tIns="0" rIns="0" bIns="0" rtlCol="0" anchor="b">
+            <a:noAutofit/>
+          </a:bodyPr>
+          <a:lstStyle>
+            <a:lvl1pPr algn="l" defTabSz="1306220" rtl="0" eaLnBrk="1" latinLnBrk="0" hangingPunct="1">
+              <a:lnSpc>
+                <a:spcPct val="90000"/>
+              </a:lnSpc>
+              <a:spcBef>
+                <a:spcPct val="0"/>
+              </a:spcBef>
+              <a:buNone/>
+              <a:defRPr sz="3200" kern="1200" cap="all" baseline="0">
+                <a:solidFill>
+                  <a:schemeClr val="tx1"/>
+                </a:solidFill>
+                <a:latin typeface="+mj-lt"/>
+                <a:ea typeface="+mj-ea"/>
+                <a:cs typeface="+mj-cs"/>
+              </a:defRPr>
+            </a:lvl1pPr>
+          </a:lstStyle>
+          <a:p>
+            <a:r>
+              <a:rPr lang="pl-PL" dirty="0"/>
+              <a:t>After clustering</a:t>
+            </a:r>
+            <a:r>
+              <a:rPr lang="en-US" dirty="0"/>
+              <a:t> </a:t>
+            </a:r>
+          </a:p>
+        </p:txBody>
+      </p:sp>
+    </p:spTree>
+    <p:extLst>
+      <p:ext uri="{BB962C8B-B14F-4D97-AF65-F5344CB8AC3E}">
+        <p14:creationId xmlns:p14="http://schemas.microsoft.com/office/powerpoint/2010/main" val="3706268026"/>
+      </p:ext>
+    </p:extLst>
+  </p:cSld>
+  <p:clrMapOvr>
+    <a:masterClrMapping/>
+  </p:clrMapOvr>
+</p:sld>
+</file>
+
+<file path=ppt/slides/slide11.xml><?xml version="1.0" encoding="utf-8"?>
+<p:sld xmlns:a="http://schemas.openxmlformats.org/drawingml/2006/main" xmlns:r="http://schemas.openxmlformats.org/officeDocument/2006/relationships" xmlns:p="http://schemas.openxmlformats.org/presentationml/2006/main">
+  <p:cSld>
+    <p:spTree>
+      <p:nvGrpSpPr>
+        <p:cNvPr id="1" name=""/>
+        <p:cNvGrpSpPr/>
+        <p:nvPr/>
+      </p:nvGrpSpPr>
+      <p:grpSpPr>
+        <a:xfrm>
+          <a:off x="0" y="0"/>
+          <a:ext cx="0" cy="0"/>
+          <a:chOff x="0" y="0"/>
+          <a:chExt cx="0" cy="0"/>
+        </a:xfrm>
+      </p:grpSpPr>
+      <p:sp>
+        <p:nvSpPr>
           <p:cNvPr id="8" name="Title 7"/>
           <p:cNvSpPr>
             <a:spLocks noGrp="1"/>
@@ -9519,7 +9705,7 @@
 </p:sld>
 </file>
 
-<file path=ppt/slides/slide11.xml><?xml version="1.0" encoding="utf-8"?>
+<file path=ppt/slides/slide12.xml><?xml version="1.0" encoding="utf-8"?>
 <p:sld xmlns:a="http://schemas.openxmlformats.org/drawingml/2006/main" xmlns:r="http://schemas.openxmlformats.org/officeDocument/2006/relationships" xmlns:p="http://schemas.openxmlformats.org/presentationml/2006/main">
   <p:cSld>
     <p:spTree>
@@ -9812,164 +9998,6 @@
 </p:sld>
 </file>
 
-<file path=ppt/slides/slide12.xml><?xml version="1.0" encoding="utf-8"?>
-<p:sld xmlns:a="http://schemas.openxmlformats.org/drawingml/2006/main" xmlns:r="http://schemas.openxmlformats.org/officeDocument/2006/relationships" xmlns:p="http://schemas.openxmlformats.org/presentationml/2006/main">
-  <p:cSld>
-    <p:spTree>
-      <p:nvGrpSpPr>
-        <p:cNvPr id="1" name=""/>
-        <p:cNvGrpSpPr/>
-        <p:nvPr/>
-      </p:nvGrpSpPr>
-      <p:grpSpPr>
-        <a:xfrm>
-          <a:off x="0" y="0"/>
-          <a:ext cx="0" cy="0"/>
-          <a:chOff x="0" y="0"/>
-          <a:chExt cx="0" cy="0"/>
-        </a:xfrm>
-      </p:grpSpPr>
-      <p:sp>
-        <p:nvSpPr>
-          <p:cNvPr id="7" name="Title 6"/>
-          <p:cNvSpPr>
-            <a:spLocks noGrp="1"/>
-          </p:cNvSpPr>
-          <p:nvPr>
-            <p:ph type="title"/>
-          </p:nvPr>
-        </p:nvSpPr>
-        <p:spPr/>
-        <p:txBody>
-          <a:bodyPr/>
-          <a:lstStyle/>
-          <a:p>
-            <a:r>
-              <a:rPr lang="pl-PL" dirty="0"/>
-              <a:t>Recognize tree species</a:t>
-            </a:r>
-            <a:endParaRPr lang="en-US" dirty="0"/>
-          </a:p>
-        </p:txBody>
-      </p:sp>
-      <p:pic>
-        <p:nvPicPr>
-          <p:cNvPr id="3" name="Picture 2">
-            <a:extLst>
-              <a:ext uri="{FF2B5EF4-FFF2-40B4-BE49-F238E27FC236}">
-                <a16:creationId xmlns:a16="http://schemas.microsoft.com/office/drawing/2014/main" id="{129DB2F4-5502-415D-A6C3-02832E898ECB}"/>
-              </a:ext>
-            </a:extLst>
-          </p:cNvPr>
-          <p:cNvPicPr>
-            <a:picLocks noChangeAspect="1"/>
-          </p:cNvPicPr>
-          <p:nvPr/>
-        </p:nvPicPr>
-        <p:blipFill rotWithShape="1">
-          <a:blip r:embed="rId2" cstate="print">
-            <a:extLst>
-              <a:ext uri="{28A0092B-C50C-407E-A947-70E740481C1C}">
-                <a14:useLocalDpi xmlns:a14="http://schemas.microsoft.com/office/drawing/2010/main" val="0"/>
-              </a:ext>
-            </a:extLst>
-          </a:blip>
-          <a:srcRect l="20107" t="23452" r="9571" b="22262"/>
-          <a:stretch/>
-        </p:blipFill>
-        <p:spPr>
-          <a:xfrm>
-            <a:off x="143063" y="1914671"/>
-            <a:ext cx="14222821" cy="1645920"/>
-          </a:xfrm>
-          <a:prstGeom prst="rect">
-            <a:avLst/>
-          </a:prstGeom>
-        </p:spPr>
-      </p:pic>
-      <p:pic>
-        <p:nvPicPr>
-          <p:cNvPr id="4" name="Picture 3">
-            <a:extLst>
-              <a:ext uri="{FF2B5EF4-FFF2-40B4-BE49-F238E27FC236}">
-                <a16:creationId xmlns:a16="http://schemas.microsoft.com/office/drawing/2014/main" id="{EC15DF26-41F8-4B43-AFAD-1A52B853D895}"/>
-              </a:ext>
-            </a:extLst>
-          </p:cNvPr>
-          <p:cNvPicPr>
-            <a:picLocks noChangeAspect="1"/>
-          </p:cNvPicPr>
-          <p:nvPr/>
-        </p:nvPicPr>
-        <p:blipFill rotWithShape="1">
-          <a:blip r:embed="rId3" cstate="print">
-            <a:extLst>
-              <a:ext uri="{28A0092B-C50C-407E-A947-70E740481C1C}">
-                <a14:useLocalDpi xmlns:a14="http://schemas.microsoft.com/office/drawing/2010/main" val="0"/>
-              </a:ext>
-            </a:extLst>
-          </a:blip>
-          <a:srcRect l="20071" t="22500" r="9644" b="22262"/>
-          <a:stretch/>
-        </p:blipFill>
-        <p:spPr>
-          <a:xfrm>
-            <a:off x="143063" y="3693671"/>
-            <a:ext cx="13967324" cy="1645920"/>
-          </a:xfrm>
-          <a:prstGeom prst="rect">
-            <a:avLst/>
-          </a:prstGeom>
-        </p:spPr>
-      </p:pic>
-      <p:pic>
-        <p:nvPicPr>
-          <p:cNvPr id="5" name="Picture 4">
-            <a:extLst>
-              <a:ext uri="{FF2B5EF4-FFF2-40B4-BE49-F238E27FC236}">
-                <a16:creationId xmlns:a16="http://schemas.microsoft.com/office/drawing/2014/main" id="{ADE652FF-B31D-4D32-A482-6AF90AEA05C6}"/>
-              </a:ext>
-            </a:extLst>
-          </p:cNvPr>
-          <p:cNvPicPr>
-            <a:picLocks noChangeAspect="1"/>
-          </p:cNvPicPr>
-          <p:nvPr/>
-        </p:nvPicPr>
-        <p:blipFill rotWithShape="1">
-          <a:blip r:embed="rId4" cstate="print">
-            <a:extLst>
-              <a:ext uri="{28A0092B-C50C-407E-A947-70E740481C1C}">
-                <a14:useLocalDpi xmlns:a14="http://schemas.microsoft.com/office/drawing/2010/main" val="0"/>
-              </a:ext>
-            </a:extLst>
-          </a:blip>
-          <a:srcRect l="20072" t="22500" r="9643" b="22738"/>
-          <a:stretch/>
-        </p:blipFill>
-        <p:spPr>
-          <a:xfrm>
-            <a:off x="143063" y="5472671"/>
-            <a:ext cx="14093915" cy="1645920"/>
-          </a:xfrm>
-          <a:prstGeom prst="rect">
-            <a:avLst/>
-          </a:prstGeom>
-        </p:spPr>
-      </p:pic>
-    </p:spTree>
-    <p:extLst>
-      <p:ext uri="{BB962C8B-B14F-4D97-AF65-F5344CB8AC3E}">
-        <p14:creationId xmlns:p14="http://schemas.microsoft.com/office/powerpoint/2010/main" val="2396849628"/>
-      </p:ext>
-    </p:extLst>
-  </p:cSld>
-  <p:clrMapOvr>
-    <a:masterClrMapping/>
-  </p:clrMapOvr>
-</p:sld>
-</file>
-
 <file path=ppt/slides/slide13.xml><?xml version="1.0" encoding="utf-8"?>
 <p:sld xmlns:a="http://schemas.openxmlformats.org/drawingml/2006/main" xmlns:r="http://schemas.openxmlformats.org/officeDocument/2006/relationships" xmlns:p="http://schemas.openxmlformats.org/presentationml/2006/main">
   <p:cSld>
@@ -9989,13 +10017,7 @@
       </p:grpSpPr>
       <p:sp>
         <p:nvSpPr>
-          <p:cNvPr id="2" name="Title 1">
-            <a:extLst>
-              <a:ext uri="{FF2B5EF4-FFF2-40B4-BE49-F238E27FC236}">
-                <a16:creationId xmlns:a16="http://schemas.microsoft.com/office/drawing/2014/main" id="{928FCB7D-0CBC-4803-BE31-1CA5B1F07562}"/>
-              </a:ext>
-            </a:extLst>
-          </p:cNvPr>
+          <p:cNvPr id="7" name="Title 6"/>
           <p:cNvSpPr>
             <a:spLocks noGrp="1"/>
           </p:cNvSpPr>
@@ -10010,324 +10032,121 @@
           <a:p>
             <a:r>
               <a:rPr lang="pl-PL" dirty="0"/>
-              <a:t>Possible exercses</a:t>
-            </a:r>
-            <a:r>
-              <a:rPr lang="en-US" dirty="0"/>
-              <a:t> </a:t>
-            </a:r>
-          </a:p>
-        </p:txBody>
-      </p:sp>
-      <p:cxnSp>
-        <p:nvCxnSpPr>
-          <p:cNvPr id="4" name="Straight Connector 3">
-            <a:extLst>
-              <a:ext uri="{FF2B5EF4-FFF2-40B4-BE49-F238E27FC236}">
-                <a16:creationId xmlns:a16="http://schemas.microsoft.com/office/drawing/2014/main" id="{FEC1ECA7-170A-46BF-8644-2C8FB382C846}"/>
-              </a:ext>
-            </a:extLst>
-          </p:cNvPr>
-          <p:cNvCxnSpPr/>
-          <p:nvPr/>
-        </p:nvCxnSpPr>
-        <p:spPr>
-          <a:xfrm>
-            <a:off x="6889315" y="2016690"/>
-            <a:ext cx="0" cy="5599135"/>
-          </a:xfrm>
-          <a:prstGeom prst="line">
-            <a:avLst/>
-          </a:prstGeom>
-          <a:ln w="76200">
-            <a:solidFill>
-              <a:schemeClr val="bg2">
-                <a:lumMod val="60000"/>
-                <a:lumOff val="40000"/>
-              </a:schemeClr>
-            </a:solidFill>
-          </a:ln>
-        </p:spPr>
-        <p:style>
-          <a:lnRef idx="1">
-            <a:schemeClr val="accent1"/>
-          </a:lnRef>
-          <a:fillRef idx="0">
-            <a:schemeClr val="accent1"/>
-          </a:fillRef>
-          <a:effectRef idx="0">
-            <a:schemeClr val="accent1"/>
-          </a:effectRef>
-          <a:fontRef idx="minor">
-            <a:schemeClr val="tx1"/>
-          </a:fontRef>
-        </p:style>
-      </p:cxnSp>
-      <p:sp>
-        <p:nvSpPr>
-          <p:cNvPr id="5" name="Rectangle 4">
-            <a:extLst>
-              <a:ext uri="{FF2B5EF4-FFF2-40B4-BE49-F238E27FC236}">
-                <a16:creationId xmlns:a16="http://schemas.microsoft.com/office/drawing/2014/main" id="{F21DB4EE-F6F7-45A8-8BCD-5CB829E33B92}"/>
-              </a:ext>
-            </a:extLst>
-          </p:cNvPr>
-          <p:cNvSpPr/>
-          <p:nvPr/>
-        </p:nvSpPr>
-        <p:spPr>
-          <a:xfrm>
-            <a:off x="1281336" y="1972489"/>
-            <a:ext cx="1574596" cy="492443"/>
-          </a:xfrm>
-          <a:prstGeom prst="rect">
-            <a:avLst/>
-          </a:prstGeom>
-        </p:spPr>
-        <p:txBody>
-          <a:bodyPr wrap="square">
-            <a:spAutoFit/>
-          </a:bodyPr>
-          <a:lstStyle/>
-          <a:p>
-            <a:r>
-              <a:rPr lang="en-US" dirty="0"/>
-              <a:t>Easy</a:t>
-            </a:r>
-          </a:p>
-        </p:txBody>
-      </p:sp>
-      <p:sp>
-        <p:nvSpPr>
-          <p:cNvPr id="6" name="Rectangle 5">
-            <a:extLst>
-              <a:ext uri="{FF2B5EF4-FFF2-40B4-BE49-F238E27FC236}">
-                <a16:creationId xmlns:a16="http://schemas.microsoft.com/office/drawing/2014/main" id="{78A4F1C2-2166-42EE-8083-71D9BBFF6AC1}"/>
-              </a:ext>
-            </a:extLst>
-          </p:cNvPr>
-          <p:cNvSpPr/>
-          <p:nvPr/>
-        </p:nvSpPr>
-        <p:spPr>
-          <a:xfrm>
-            <a:off x="8335578" y="1859858"/>
-            <a:ext cx="1574596" cy="492443"/>
-          </a:xfrm>
-          <a:prstGeom prst="rect">
-            <a:avLst/>
-          </a:prstGeom>
-        </p:spPr>
-        <p:txBody>
-          <a:bodyPr wrap="square">
-            <a:spAutoFit/>
-          </a:bodyPr>
-          <a:lstStyle/>
-          <a:p>
-            <a:r>
-              <a:rPr lang="en-US" dirty="0"/>
-              <a:t>Harder</a:t>
-            </a:r>
-          </a:p>
-        </p:txBody>
-      </p:sp>
-      <p:sp>
-        <p:nvSpPr>
-          <p:cNvPr id="7" name="Rectangle 6">
-            <a:extLst>
-              <a:ext uri="{FF2B5EF4-FFF2-40B4-BE49-F238E27FC236}">
-                <a16:creationId xmlns:a16="http://schemas.microsoft.com/office/drawing/2014/main" id="{C3E701DB-F054-45C8-8B07-2625F421DAE6}"/>
-              </a:ext>
-            </a:extLst>
-          </p:cNvPr>
-          <p:cNvSpPr/>
-          <p:nvPr/>
-        </p:nvSpPr>
-        <p:spPr>
-          <a:xfrm>
-            <a:off x="780295" y="2789751"/>
-            <a:ext cx="5658079" cy="892552"/>
-          </a:xfrm>
-          <a:prstGeom prst="rect">
-            <a:avLst/>
-          </a:prstGeom>
-        </p:spPr>
-        <p:txBody>
-          <a:bodyPr wrap="square">
-            <a:spAutoFit/>
-          </a:bodyPr>
-          <a:lstStyle/>
-          <a:p>
-            <a:r>
-              <a:rPr lang="en-US" dirty="0"/>
-              <a:t>Change the bandwidth in Mean-Shift clustering </a:t>
-            </a:r>
-          </a:p>
-        </p:txBody>
-      </p:sp>
-      <p:cxnSp>
-        <p:nvCxnSpPr>
-          <p:cNvPr id="8" name="Straight Connector 7">
-            <a:extLst>
-              <a:ext uri="{FF2B5EF4-FFF2-40B4-BE49-F238E27FC236}">
-                <a16:creationId xmlns:a16="http://schemas.microsoft.com/office/drawing/2014/main" id="{52F7FC84-DB0C-499D-A61E-AA67A00431D4}"/>
-              </a:ext>
-            </a:extLst>
-          </p:cNvPr>
-          <p:cNvCxnSpPr>
-            <a:cxnSpLocks/>
-          </p:cNvCxnSpPr>
-          <p:nvPr/>
-        </p:nvCxnSpPr>
-        <p:spPr>
-          <a:xfrm flipH="1">
-            <a:off x="780296" y="2582450"/>
-            <a:ext cx="11557841" cy="0"/>
-          </a:xfrm>
-          <a:prstGeom prst="line">
-            <a:avLst/>
-          </a:prstGeom>
-          <a:ln w="76200">
-            <a:solidFill>
-              <a:schemeClr val="bg2">
-                <a:lumMod val="60000"/>
-                <a:lumOff val="40000"/>
-              </a:schemeClr>
-            </a:solidFill>
-          </a:ln>
-        </p:spPr>
-        <p:style>
-          <a:lnRef idx="1">
-            <a:schemeClr val="accent1"/>
-          </a:lnRef>
-          <a:fillRef idx="0">
-            <a:schemeClr val="accent1"/>
-          </a:fillRef>
-          <a:effectRef idx="0">
-            <a:schemeClr val="accent1"/>
-          </a:effectRef>
-          <a:fontRef idx="minor">
-            <a:schemeClr val="tx1"/>
-          </a:fontRef>
-        </p:style>
-      </p:cxnSp>
-      <p:sp>
-        <p:nvSpPr>
-          <p:cNvPr id="12" name="Rectangle 11">
-            <a:extLst>
-              <a:ext uri="{FF2B5EF4-FFF2-40B4-BE49-F238E27FC236}">
-                <a16:creationId xmlns:a16="http://schemas.microsoft.com/office/drawing/2014/main" id="{C7030235-A259-40E1-BC06-69966F50C1CE}"/>
-              </a:ext>
-            </a:extLst>
-          </p:cNvPr>
-          <p:cNvSpPr/>
-          <p:nvPr/>
-        </p:nvSpPr>
-        <p:spPr>
-          <a:xfrm>
-            <a:off x="780294" y="4041382"/>
-            <a:ext cx="5658079" cy="492443"/>
-          </a:xfrm>
-          <a:prstGeom prst="rect">
-            <a:avLst/>
-          </a:prstGeom>
-        </p:spPr>
-        <p:txBody>
-          <a:bodyPr wrap="square">
-            <a:spAutoFit/>
-          </a:bodyPr>
-          <a:lstStyle/>
-          <a:p>
-            <a:r>
-              <a:rPr lang="en-US" dirty="0"/>
-              <a:t>Try different Clustering techniques </a:t>
-            </a:r>
-          </a:p>
-        </p:txBody>
-      </p:sp>
-      <p:sp>
-        <p:nvSpPr>
-          <p:cNvPr id="13" name="Rectangle 12">
-            <a:extLst>
-              <a:ext uri="{FF2B5EF4-FFF2-40B4-BE49-F238E27FC236}">
-                <a16:creationId xmlns:a16="http://schemas.microsoft.com/office/drawing/2014/main" id="{D8558653-EABB-4642-92F6-FA81EA024DFF}"/>
-              </a:ext>
-            </a:extLst>
-          </p:cNvPr>
-          <p:cNvSpPr/>
-          <p:nvPr/>
-        </p:nvSpPr>
-        <p:spPr>
-          <a:xfrm>
-            <a:off x="7195708" y="2733150"/>
-            <a:ext cx="5658079" cy="1292662"/>
-          </a:xfrm>
-          <a:prstGeom prst="rect">
-            <a:avLst/>
-          </a:prstGeom>
-        </p:spPr>
-        <p:txBody>
-          <a:bodyPr wrap="square">
-            <a:spAutoFit/>
-          </a:bodyPr>
-          <a:lstStyle/>
-          <a:p>
-            <a:r>
-              <a:rPr lang="en-US" dirty="0"/>
-              <a:t>Design the function that will be able to count the number of circles on the following picture:</a:t>
-            </a:r>
+              <a:t>Recognize tree species</a:t>
+            </a:r>
+            <a:endParaRPr lang="en-US" dirty="0"/>
           </a:p>
         </p:txBody>
       </p:sp>
       <p:pic>
         <p:nvPicPr>
-          <p:cNvPr id="2050" name="Picture 2" descr="Image result for circles">
+          <p:cNvPr id="3" name="Picture 2">
             <a:extLst>
               <a:ext uri="{FF2B5EF4-FFF2-40B4-BE49-F238E27FC236}">
-                <a16:creationId xmlns:a16="http://schemas.microsoft.com/office/drawing/2014/main" id="{32832107-2A19-4478-9AEF-9C17BA6DC7A2}"/>
+                <a16:creationId xmlns:a16="http://schemas.microsoft.com/office/drawing/2014/main" id="{129DB2F4-5502-415D-A6C3-02832E898ECB}"/>
               </a:ext>
             </a:extLst>
           </p:cNvPr>
           <p:cNvPicPr>
-            <a:picLocks noChangeAspect="1" noChangeArrowheads="1"/>
+            <a:picLocks noChangeAspect="1"/>
           </p:cNvPicPr>
           <p:nvPr/>
         </p:nvPicPr>
         <p:blipFill rotWithShape="1">
-          <a:blip r:embed="rId2">
+          <a:blip r:embed="rId2" cstate="print">
             <a:extLst>
               <a:ext uri="{28A0092B-C50C-407E-A947-70E740481C1C}">
                 <a14:useLocalDpi xmlns:a14="http://schemas.microsoft.com/office/drawing/2010/main" val="0"/>
               </a:ext>
             </a:extLst>
           </a:blip>
-          <a:srcRect l="19863" t="36155" r="7921" b="12672"/>
+          <a:srcRect l="20107" t="23452" r="9571" b="22262"/>
           <a:stretch/>
         </p:blipFill>
-        <p:spPr bwMode="auto">
-          <a:xfrm>
-            <a:off x="7195708" y="4044233"/>
-            <a:ext cx="4940716" cy="3501025"/>
+        <p:spPr>
+          <a:xfrm>
+            <a:off x="143063" y="1914671"/>
+            <a:ext cx="14222821" cy="1645920"/>
           </a:xfrm>
           <a:prstGeom prst="rect">
             <a:avLst/>
           </a:prstGeom>
-          <a:noFill/>
-          <a:extLst>
-            <a:ext uri="{909E8E84-426E-40DD-AFC4-6F175D3DCCD1}">
-              <a14:hiddenFill xmlns:a14="http://schemas.microsoft.com/office/drawing/2010/main">
-                <a:solidFill>
-                  <a:srgbClr val="FFFFFF"/>
-                </a:solidFill>
-              </a14:hiddenFill>
-            </a:ext>
-          </a:extLst>
+        </p:spPr>
+      </p:pic>
+      <p:pic>
+        <p:nvPicPr>
+          <p:cNvPr id="4" name="Picture 3">
+            <a:extLst>
+              <a:ext uri="{FF2B5EF4-FFF2-40B4-BE49-F238E27FC236}">
+                <a16:creationId xmlns:a16="http://schemas.microsoft.com/office/drawing/2014/main" id="{EC15DF26-41F8-4B43-AFAD-1A52B853D895}"/>
+              </a:ext>
+            </a:extLst>
+          </p:cNvPr>
+          <p:cNvPicPr>
+            <a:picLocks noChangeAspect="1"/>
+          </p:cNvPicPr>
+          <p:nvPr/>
+        </p:nvPicPr>
+        <p:blipFill rotWithShape="1">
+          <a:blip r:embed="rId3" cstate="print">
+            <a:extLst>
+              <a:ext uri="{28A0092B-C50C-407E-A947-70E740481C1C}">
+                <a14:useLocalDpi xmlns:a14="http://schemas.microsoft.com/office/drawing/2010/main" val="0"/>
+              </a:ext>
+            </a:extLst>
+          </a:blip>
+          <a:srcRect l="20071" t="22500" r="9644" b="22262"/>
+          <a:stretch/>
+        </p:blipFill>
+        <p:spPr>
+          <a:xfrm>
+            <a:off x="143063" y="3693671"/>
+            <a:ext cx="13967324" cy="1645920"/>
+          </a:xfrm>
+          <a:prstGeom prst="rect">
+            <a:avLst/>
+          </a:prstGeom>
+        </p:spPr>
+      </p:pic>
+      <p:pic>
+        <p:nvPicPr>
+          <p:cNvPr id="5" name="Picture 4">
+            <a:extLst>
+              <a:ext uri="{FF2B5EF4-FFF2-40B4-BE49-F238E27FC236}">
+                <a16:creationId xmlns:a16="http://schemas.microsoft.com/office/drawing/2014/main" id="{ADE652FF-B31D-4D32-A482-6AF90AEA05C6}"/>
+              </a:ext>
+            </a:extLst>
+          </p:cNvPr>
+          <p:cNvPicPr>
+            <a:picLocks noChangeAspect="1"/>
+          </p:cNvPicPr>
+          <p:nvPr/>
+        </p:nvPicPr>
+        <p:blipFill rotWithShape="1">
+          <a:blip r:embed="rId4" cstate="print">
+            <a:extLst>
+              <a:ext uri="{28A0092B-C50C-407E-A947-70E740481C1C}">
+                <a14:useLocalDpi xmlns:a14="http://schemas.microsoft.com/office/drawing/2010/main" val="0"/>
+              </a:ext>
+            </a:extLst>
+          </a:blip>
+          <a:srcRect l="20072" t="22500" r="9643" b="22738"/>
+          <a:stretch/>
+        </p:blipFill>
+        <p:spPr>
+          <a:xfrm>
+            <a:off x="143063" y="5485197"/>
+            <a:ext cx="14093915" cy="1645920"/>
+          </a:xfrm>
+          <a:prstGeom prst="rect">
+            <a:avLst/>
+          </a:prstGeom>
         </p:spPr>
       </p:pic>
     </p:spTree>
     <p:extLst>
       <p:ext uri="{BB962C8B-B14F-4D97-AF65-F5344CB8AC3E}">
-        <p14:creationId xmlns:p14="http://schemas.microsoft.com/office/powerpoint/2010/main" val="643518787"/>
+        <p14:creationId xmlns:p14="http://schemas.microsoft.com/office/powerpoint/2010/main" val="2396849628"/>
       </p:ext>
     </p:extLst>
   </p:cSld>
@@ -10356,49 +10175,13 @@
       </p:grpSpPr>
       <p:sp>
         <p:nvSpPr>
-          <p:cNvPr id="7" name="Content Placeholder 6"/>
-          <p:cNvSpPr>
-            <a:spLocks noGrp="1"/>
-          </p:cNvSpPr>
-          <p:nvPr>
-            <p:ph sz="half" idx="2"/>
-          </p:nvPr>
-        </p:nvSpPr>
-        <p:spPr>
-          <a:xfrm>
-            <a:off x="457199" y="1523198"/>
-            <a:ext cx="11117179" cy="4365057"/>
-          </a:xfrm>
-          <a:solidFill>
-            <a:schemeClr val="bg1"/>
-          </a:solidFill>
-        </p:spPr>
-        <p:txBody>
-          <a:bodyPr lIns="91440" tIns="91440" rIns="91440" bIns="91440"/>
-          <a:lstStyle/>
-          <a:p>
-            <a:r>
-              <a:rPr lang="en-US" sz="3000" dirty="0"/>
-              <a:t>CNN was trained with 98.5% accuracy</a:t>
-            </a:r>
-          </a:p>
-          <a:p>
-            <a:r>
-              <a:rPr lang="en-US" sz="3000" dirty="0"/>
-              <a:t>CNN was later used to extract the essential information from the satellite image by using the Mean-Shift clustering</a:t>
-            </a:r>
-          </a:p>
-          <a:p>
-            <a:r>
-              <a:rPr lang="en-US" sz="3000" dirty="0"/>
-              <a:t>The discussed techniques can be applied to many problems to extract the essential information</a:t>
-            </a:r>
-          </a:p>
-        </p:txBody>
-      </p:sp>
-      <p:sp>
-        <p:nvSpPr>
-          <p:cNvPr id="5" name="Title 4"/>
+          <p:cNvPr id="2" name="Title 1">
+            <a:extLst>
+              <a:ext uri="{FF2B5EF4-FFF2-40B4-BE49-F238E27FC236}">
+                <a16:creationId xmlns:a16="http://schemas.microsoft.com/office/drawing/2014/main" id="{928FCB7D-0CBC-4803-BE31-1CA5B1F07562}"/>
+              </a:ext>
+            </a:extLst>
+          </p:cNvPr>
           <p:cNvSpPr>
             <a:spLocks noGrp="1"/>
           </p:cNvSpPr>
@@ -10406,28 +10189,331 @@
             <p:ph type="title"/>
           </p:nvPr>
         </p:nvSpPr>
-        <p:spPr>
-          <a:xfrm>
-            <a:off x="731520" y="336884"/>
-            <a:ext cx="13075920" cy="914400"/>
-          </a:xfrm>
-        </p:spPr>
+        <p:spPr/>
         <p:txBody>
           <a:bodyPr/>
           <a:lstStyle/>
           <a:p>
             <a:r>
               <a:rPr lang="pl-PL" dirty="0"/>
-              <a:t>Summary</a:t>
-            </a:r>
-            <a:endParaRPr lang="en-US" dirty="0"/>
-          </a:p>
-        </p:txBody>
-      </p:sp>
+              <a:t>Possible exercses</a:t>
+            </a:r>
+            <a:r>
+              <a:rPr lang="en-US" dirty="0"/>
+              <a:t> </a:t>
+            </a:r>
+          </a:p>
+        </p:txBody>
+      </p:sp>
+      <p:cxnSp>
+        <p:nvCxnSpPr>
+          <p:cNvPr id="4" name="Straight Connector 3">
+            <a:extLst>
+              <a:ext uri="{FF2B5EF4-FFF2-40B4-BE49-F238E27FC236}">
+                <a16:creationId xmlns:a16="http://schemas.microsoft.com/office/drawing/2014/main" id="{FEC1ECA7-170A-46BF-8644-2C8FB382C846}"/>
+              </a:ext>
+            </a:extLst>
+          </p:cNvPr>
+          <p:cNvCxnSpPr/>
+          <p:nvPr/>
+        </p:nvCxnSpPr>
+        <p:spPr>
+          <a:xfrm>
+            <a:off x="6889315" y="2016690"/>
+            <a:ext cx="0" cy="5599135"/>
+          </a:xfrm>
+          <a:prstGeom prst="line">
+            <a:avLst/>
+          </a:prstGeom>
+          <a:ln w="76200">
+            <a:solidFill>
+              <a:schemeClr val="bg2">
+                <a:lumMod val="60000"/>
+                <a:lumOff val="40000"/>
+              </a:schemeClr>
+            </a:solidFill>
+          </a:ln>
+        </p:spPr>
+        <p:style>
+          <a:lnRef idx="1">
+            <a:schemeClr val="accent1"/>
+          </a:lnRef>
+          <a:fillRef idx="0">
+            <a:schemeClr val="accent1"/>
+          </a:fillRef>
+          <a:effectRef idx="0">
+            <a:schemeClr val="accent1"/>
+          </a:effectRef>
+          <a:fontRef idx="minor">
+            <a:schemeClr val="tx1"/>
+          </a:fontRef>
+        </p:style>
+      </p:cxnSp>
+      <p:sp>
+        <p:nvSpPr>
+          <p:cNvPr id="5" name="Rectangle 4">
+            <a:extLst>
+              <a:ext uri="{FF2B5EF4-FFF2-40B4-BE49-F238E27FC236}">
+                <a16:creationId xmlns:a16="http://schemas.microsoft.com/office/drawing/2014/main" id="{F21DB4EE-F6F7-45A8-8BCD-5CB829E33B92}"/>
+              </a:ext>
+            </a:extLst>
+          </p:cNvPr>
+          <p:cNvSpPr/>
+          <p:nvPr/>
+        </p:nvSpPr>
+        <p:spPr>
+          <a:xfrm>
+            <a:off x="1281336" y="1972489"/>
+            <a:ext cx="1574596" cy="492443"/>
+          </a:xfrm>
+          <a:prstGeom prst="rect">
+            <a:avLst/>
+          </a:prstGeom>
+        </p:spPr>
+        <p:txBody>
+          <a:bodyPr wrap="square">
+            <a:spAutoFit/>
+          </a:bodyPr>
+          <a:lstStyle/>
+          <a:p>
+            <a:r>
+              <a:rPr lang="en-US" dirty="0"/>
+              <a:t>Easy</a:t>
+            </a:r>
+          </a:p>
+        </p:txBody>
+      </p:sp>
+      <p:sp>
+        <p:nvSpPr>
+          <p:cNvPr id="6" name="Rectangle 5">
+            <a:extLst>
+              <a:ext uri="{FF2B5EF4-FFF2-40B4-BE49-F238E27FC236}">
+                <a16:creationId xmlns:a16="http://schemas.microsoft.com/office/drawing/2014/main" id="{78A4F1C2-2166-42EE-8083-71D9BBFF6AC1}"/>
+              </a:ext>
+            </a:extLst>
+          </p:cNvPr>
+          <p:cNvSpPr/>
+          <p:nvPr/>
+        </p:nvSpPr>
+        <p:spPr>
+          <a:xfrm>
+            <a:off x="8335578" y="1859858"/>
+            <a:ext cx="1574596" cy="492443"/>
+          </a:xfrm>
+          <a:prstGeom prst="rect">
+            <a:avLst/>
+          </a:prstGeom>
+        </p:spPr>
+        <p:txBody>
+          <a:bodyPr wrap="square">
+            <a:spAutoFit/>
+          </a:bodyPr>
+          <a:lstStyle/>
+          <a:p>
+            <a:r>
+              <a:rPr lang="en-US" dirty="0"/>
+              <a:t>Harder</a:t>
+            </a:r>
+          </a:p>
+        </p:txBody>
+      </p:sp>
+      <p:sp>
+        <p:nvSpPr>
+          <p:cNvPr id="7" name="Rectangle 6">
+            <a:extLst>
+              <a:ext uri="{FF2B5EF4-FFF2-40B4-BE49-F238E27FC236}">
+                <a16:creationId xmlns:a16="http://schemas.microsoft.com/office/drawing/2014/main" id="{C3E701DB-F054-45C8-8B07-2625F421DAE6}"/>
+              </a:ext>
+            </a:extLst>
+          </p:cNvPr>
+          <p:cNvSpPr/>
+          <p:nvPr/>
+        </p:nvSpPr>
+        <p:spPr>
+          <a:xfrm>
+            <a:off x="780295" y="2789751"/>
+            <a:ext cx="5658079" cy="892552"/>
+          </a:xfrm>
+          <a:prstGeom prst="rect">
+            <a:avLst/>
+          </a:prstGeom>
+        </p:spPr>
+        <p:txBody>
+          <a:bodyPr wrap="square">
+            <a:spAutoFit/>
+          </a:bodyPr>
+          <a:lstStyle/>
+          <a:p>
+            <a:r>
+              <a:rPr lang="en-US" dirty="0"/>
+              <a:t>Change the bandwidth in Mean-Shift clustering </a:t>
+            </a:r>
+          </a:p>
+        </p:txBody>
+      </p:sp>
+      <p:cxnSp>
+        <p:nvCxnSpPr>
+          <p:cNvPr id="8" name="Straight Connector 7">
+            <a:extLst>
+              <a:ext uri="{FF2B5EF4-FFF2-40B4-BE49-F238E27FC236}">
+                <a16:creationId xmlns:a16="http://schemas.microsoft.com/office/drawing/2014/main" id="{52F7FC84-DB0C-499D-A61E-AA67A00431D4}"/>
+              </a:ext>
+            </a:extLst>
+          </p:cNvPr>
+          <p:cNvCxnSpPr>
+            <a:cxnSpLocks/>
+          </p:cNvCxnSpPr>
+          <p:nvPr/>
+        </p:nvCxnSpPr>
+        <p:spPr>
+          <a:xfrm flipH="1">
+            <a:off x="780296" y="2582450"/>
+            <a:ext cx="11557841" cy="0"/>
+          </a:xfrm>
+          <a:prstGeom prst="line">
+            <a:avLst/>
+          </a:prstGeom>
+          <a:ln w="76200">
+            <a:solidFill>
+              <a:schemeClr val="bg2">
+                <a:lumMod val="60000"/>
+                <a:lumOff val="40000"/>
+              </a:schemeClr>
+            </a:solidFill>
+          </a:ln>
+        </p:spPr>
+        <p:style>
+          <a:lnRef idx="1">
+            <a:schemeClr val="accent1"/>
+          </a:lnRef>
+          <a:fillRef idx="0">
+            <a:schemeClr val="accent1"/>
+          </a:fillRef>
+          <a:effectRef idx="0">
+            <a:schemeClr val="accent1"/>
+          </a:effectRef>
+          <a:fontRef idx="minor">
+            <a:schemeClr val="tx1"/>
+          </a:fontRef>
+        </p:style>
+      </p:cxnSp>
+      <p:sp>
+        <p:nvSpPr>
+          <p:cNvPr id="12" name="Rectangle 11">
+            <a:extLst>
+              <a:ext uri="{FF2B5EF4-FFF2-40B4-BE49-F238E27FC236}">
+                <a16:creationId xmlns:a16="http://schemas.microsoft.com/office/drawing/2014/main" id="{C7030235-A259-40E1-BC06-69966F50C1CE}"/>
+              </a:ext>
+            </a:extLst>
+          </p:cNvPr>
+          <p:cNvSpPr/>
+          <p:nvPr/>
+        </p:nvSpPr>
+        <p:spPr>
+          <a:xfrm>
+            <a:off x="780294" y="4041382"/>
+            <a:ext cx="5658079" cy="492443"/>
+          </a:xfrm>
+          <a:prstGeom prst="rect">
+            <a:avLst/>
+          </a:prstGeom>
+        </p:spPr>
+        <p:txBody>
+          <a:bodyPr wrap="square">
+            <a:spAutoFit/>
+          </a:bodyPr>
+          <a:lstStyle/>
+          <a:p>
+            <a:r>
+              <a:rPr lang="en-US" dirty="0"/>
+              <a:t>Try different Clustering techniques </a:t>
+            </a:r>
+          </a:p>
+        </p:txBody>
+      </p:sp>
+      <p:sp>
+        <p:nvSpPr>
+          <p:cNvPr id="13" name="Rectangle 12">
+            <a:extLst>
+              <a:ext uri="{FF2B5EF4-FFF2-40B4-BE49-F238E27FC236}">
+                <a16:creationId xmlns:a16="http://schemas.microsoft.com/office/drawing/2014/main" id="{D8558653-EABB-4642-92F6-FA81EA024DFF}"/>
+              </a:ext>
+            </a:extLst>
+          </p:cNvPr>
+          <p:cNvSpPr/>
+          <p:nvPr/>
+        </p:nvSpPr>
+        <p:spPr>
+          <a:xfrm>
+            <a:off x="7195708" y="2733150"/>
+            <a:ext cx="5658079" cy="1292662"/>
+          </a:xfrm>
+          <a:prstGeom prst="rect">
+            <a:avLst/>
+          </a:prstGeom>
+        </p:spPr>
+        <p:txBody>
+          <a:bodyPr wrap="square">
+            <a:spAutoFit/>
+          </a:bodyPr>
+          <a:lstStyle/>
+          <a:p>
+            <a:r>
+              <a:rPr lang="en-US" dirty="0"/>
+              <a:t>Design the function that will be able to count the number of circles on the following picture:</a:t>
+            </a:r>
+          </a:p>
+        </p:txBody>
+      </p:sp>
+      <p:pic>
+        <p:nvPicPr>
+          <p:cNvPr id="2050" name="Picture 2" descr="Image result for circles">
+            <a:extLst>
+              <a:ext uri="{FF2B5EF4-FFF2-40B4-BE49-F238E27FC236}">
+                <a16:creationId xmlns:a16="http://schemas.microsoft.com/office/drawing/2014/main" id="{32832107-2A19-4478-9AEF-9C17BA6DC7A2}"/>
+              </a:ext>
+            </a:extLst>
+          </p:cNvPr>
+          <p:cNvPicPr>
+            <a:picLocks noChangeAspect="1" noChangeArrowheads="1"/>
+          </p:cNvPicPr>
+          <p:nvPr/>
+        </p:nvPicPr>
+        <p:blipFill rotWithShape="1">
+          <a:blip r:embed="rId2">
+            <a:extLst>
+              <a:ext uri="{28A0092B-C50C-407E-A947-70E740481C1C}">
+                <a14:useLocalDpi xmlns:a14="http://schemas.microsoft.com/office/drawing/2010/main" val="0"/>
+              </a:ext>
+            </a:extLst>
+          </a:blip>
+          <a:srcRect l="19863" t="36155" r="7921" b="12672"/>
+          <a:stretch/>
+        </p:blipFill>
+        <p:spPr bwMode="auto">
+          <a:xfrm>
+            <a:off x="7195708" y="4044233"/>
+            <a:ext cx="4940716" cy="3501025"/>
+          </a:xfrm>
+          <a:prstGeom prst="rect">
+            <a:avLst/>
+          </a:prstGeom>
+          <a:noFill/>
+          <a:extLst>
+            <a:ext uri="{909E8E84-426E-40DD-AFC4-6F175D3DCCD1}">
+              <a14:hiddenFill xmlns:a14="http://schemas.microsoft.com/office/drawing/2010/main">
+                <a:solidFill>
+                  <a:srgbClr val="FFFFFF"/>
+                </a:solidFill>
+              </a14:hiddenFill>
+            </a:ext>
+          </a:extLst>
+        </p:spPr>
+      </p:pic>
     </p:spTree>
     <p:extLst>
       <p:ext uri="{BB962C8B-B14F-4D97-AF65-F5344CB8AC3E}">
-        <p14:creationId xmlns:p14="http://schemas.microsoft.com/office/powerpoint/2010/main" val="1649036460"/>
+        <p14:creationId xmlns:p14="http://schemas.microsoft.com/office/powerpoint/2010/main" val="643518787"/>
       </p:ext>
     </p:extLst>
   </p:cSld>
@@ -10456,7 +10542,49 @@
       </p:grpSpPr>
       <p:sp>
         <p:nvSpPr>
-          <p:cNvPr id="4" name="Title 3"/>
+          <p:cNvPr id="7" name="Content Placeholder 6"/>
+          <p:cNvSpPr>
+            <a:spLocks noGrp="1"/>
+          </p:cNvSpPr>
+          <p:nvPr>
+            <p:ph sz="half" idx="2"/>
+          </p:nvPr>
+        </p:nvSpPr>
+        <p:spPr>
+          <a:xfrm>
+            <a:off x="457199" y="1523198"/>
+            <a:ext cx="11117179" cy="4365057"/>
+          </a:xfrm>
+          <a:solidFill>
+            <a:schemeClr val="bg1"/>
+          </a:solidFill>
+        </p:spPr>
+        <p:txBody>
+          <a:bodyPr lIns="91440" tIns="91440" rIns="91440" bIns="91440"/>
+          <a:lstStyle/>
+          <a:p>
+            <a:r>
+              <a:rPr lang="en-US" sz="3000" dirty="0"/>
+              <a:t>CNN was trained with 98.5% accuracy</a:t>
+            </a:r>
+          </a:p>
+          <a:p>
+            <a:r>
+              <a:rPr lang="en-US" sz="3000" dirty="0"/>
+              <a:t>CNN was later used to extract the essential information from the satellite image by using the Mean-Shift clustering</a:t>
+            </a:r>
+          </a:p>
+          <a:p>
+            <a:r>
+              <a:rPr lang="en-US" sz="3000" dirty="0"/>
+              <a:t>The discussed techniques can be applied to many problems to extract the essential information</a:t>
+            </a:r>
+          </a:p>
+        </p:txBody>
+      </p:sp>
+      <p:sp>
+        <p:nvSpPr>
+          <p:cNvPr id="5" name="Title 4"/>
           <p:cNvSpPr>
             <a:spLocks noGrp="1"/>
           </p:cNvSpPr>
@@ -10466,8 +10594,8 @@
         </p:nvSpPr>
         <p:spPr>
           <a:xfrm>
-            <a:off x="1038895" y="3441032"/>
-            <a:ext cx="3208254" cy="1987618"/>
+            <a:off x="731520" y="336884"/>
+            <a:ext cx="13075920" cy="914400"/>
           </a:xfrm>
         </p:spPr>
         <p:txBody>
@@ -10475,59 +10603,43 @@
           <a:lstStyle/>
           <a:p>
             <a:r>
-              <a:rPr lang="en-US" dirty="0"/>
-              <a:t>minimize the risk </a:t>
-            </a:r>
-          </a:p>
-        </p:txBody>
-      </p:sp>
-      <p:pic>
-        <p:nvPicPr>
-          <p:cNvPr id="3" name="Picture 2" descr="Image result for mouse helmet mousetrap">
-            <a:extLst>
-              <a:ext uri="{FF2B5EF4-FFF2-40B4-BE49-F238E27FC236}">
-                <a16:creationId xmlns:a16="http://schemas.microsoft.com/office/drawing/2014/main" id="{F5111847-8747-4828-B640-002DB3B8880E}"/>
-              </a:ext>
-            </a:extLst>
-          </p:cNvPr>
-          <p:cNvPicPr>
-            <a:picLocks noChangeAspect="1" noChangeArrowheads="1"/>
-          </p:cNvPicPr>
-          <p:nvPr/>
-        </p:nvPicPr>
-        <p:blipFill>
-          <a:blip r:embed="rId2" cstate="print">
-            <a:extLst>
-              <a:ext uri="{28A0092B-C50C-407E-A947-70E740481C1C}">
-                <a14:useLocalDpi xmlns:a14="http://schemas.microsoft.com/office/drawing/2010/main" val="0"/>
-              </a:ext>
-            </a:extLst>
-          </a:blip>
-          <a:srcRect/>
-          <a:stretch>
-            <a:fillRect/>
-          </a:stretch>
-        </p:blipFill>
-        <p:spPr bwMode="auto">
-          <a:xfrm>
-            <a:off x="4247149" y="2550771"/>
-            <a:ext cx="8574338" cy="5359219"/>
-          </a:xfrm>
-          <a:prstGeom prst="rect">
-            <a:avLst/>
-          </a:prstGeom>
-          <a:noFill/>
-          <a:extLst>
-            <a:ext uri="{909E8E84-426E-40DD-AFC4-6F175D3DCCD1}">
-              <a14:hiddenFill xmlns:a14="http://schemas.microsoft.com/office/drawing/2010/main">
-                <a:solidFill>
-                  <a:srgbClr val="FFFFFF"/>
-                </a:solidFill>
-              </a14:hiddenFill>
-            </a:ext>
-          </a:extLst>
-        </p:spPr>
-      </p:pic>
+              <a:rPr lang="pl-PL" dirty="0"/>
+              <a:t>Summary</a:t>
+            </a:r>
+            <a:endParaRPr lang="en-US" dirty="0"/>
+          </a:p>
+        </p:txBody>
+      </p:sp>
+    </p:spTree>
+    <p:extLst>
+      <p:ext uri="{BB962C8B-B14F-4D97-AF65-F5344CB8AC3E}">
+        <p14:creationId xmlns:p14="http://schemas.microsoft.com/office/powerpoint/2010/main" val="1649036460"/>
+      </p:ext>
+    </p:extLst>
+  </p:cSld>
+  <p:clrMapOvr>
+    <a:masterClrMapping/>
+  </p:clrMapOvr>
+</p:sld>
+</file>
+
+<file path=ppt/slides/slide16.xml><?xml version="1.0" encoding="utf-8"?>
+<p:sld xmlns:a="http://schemas.openxmlformats.org/drawingml/2006/main" xmlns:r="http://schemas.openxmlformats.org/officeDocument/2006/relationships" xmlns:p="http://schemas.openxmlformats.org/presentationml/2006/main">
+  <p:cSld>
+    <p:spTree>
+      <p:nvGrpSpPr>
+        <p:cNvPr id="1" name=""/>
+        <p:cNvGrpSpPr/>
+        <p:nvPr/>
+      </p:nvGrpSpPr>
+      <p:grpSpPr>
+        <a:xfrm>
+          <a:off x="0" y="0"/>
+          <a:ext cx="0" cy="0"/>
+          <a:chOff x="0" y="0"/>
+          <a:chExt cx="0" cy="0"/>
+        </a:xfrm>
+      </p:grpSpPr>
       <p:sp>
         <p:nvSpPr>
           <p:cNvPr id="5" name="Title 2">
@@ -10596,7 +10708,7 @@
 </p:sld>
 </file>
 
-<file path=ppt/slides/slide16.xml><?xml version="1.0" encoding="utf-8"?>
+<file path=ppt/slides/slide17.xml><?xml version="1.0" encoding="utf-8"?>
 <p:sld xmlns:a="http://schemas.openxmlformats.org/drawingml/2006/main" xmlns:r="http://schemas.openxmlformats.org/officeDocument/2006/relationships" xmlns:p="http://schemas.openxmlformats.org/presentationml/2006/main">
   <p:cSld>
     <p:spTree>
@@ -11399,7 +11511,7 @@
           <p:cNvPr id="2" name="Title 1">
             <a:extLst>
               <a:ext uri="{FF2B5EF4-FFF2-40B4-BE49-F238E27FC236}">
-                <a16:creationId xmlns:a16="http://schemas.microsoft.com/office/drawing/2014/main" id="{8AE2D849-3A5E-4CF6-94EF-CA4D59E48E51}"/>
+                <a16:creationId xmlns:a16="http://schemas.microsoft.com/office/drawing/2014/main" id="{0D5BC0FB-5FD2-4B1D-A099-0039520ABAF6}"/>
               </a:ext>
             </a:extLst>
           </p:cNvPr>
@@ -11417,61 +11529,17 @@
           <a:p>
             <a:r>
               <a:rPr lang="en-US" dirty="0"/>
-              <a:t>Data set</a:t>
-            </a:r>
-          </a:p>
-        </p:txBody>
-      </p:sp>
-      <p:sp>
-        <p:nvSpPr>
-          <p:cNvPr id="4" name="Text Placeholder 3">
-            <a:extLst>
-              <a:ext uri="{FF2B5EF4-FFF2-40B4-BE49-F238E27FC236}">
-                <a16:creationId xmlns:a16="http://schemas.microsoft.com/office/drawing/2014/main" id="{F173574C-C8B9-4941-BF65-FDC4D91A6D22}"/>
-              </a:ext>
-            </a:extLst>
-          </p:cNvPr>
-          <p:cNvSpPr>
-            <a:spLocks noGrp="1"/>
-          </p:cNvSpPr>
-          <p:nvPr>
-            <p:ph type="body" sz="quarter" idx="12"/>
-          </p:nvPr>
-        </p:nvSpPr>
-        <p:spPr/>
-        <p:txBody>
-          <a:bodyPr/>
-          <a:lstStyle/>
-          <a:p>
-            <a:r>
-              <a:rPr lang="en-US" dirty="0"/>
-              <a:t>The dataset was composed of three-channel images (</a:t>
-            </a:r>
-            <a:r>
-              <a:rPr lang="en-US" dirty="0" err="1"/>
-              <a:t>rgb</a:t>
-            </a:r>
-            <a:r>
-              <a:rPr lang="en-US" dirty="0"/>
-              <a:t>) with the </a:t>
-            </a:r>
-            <a:r>
-              <a:rPr lang="en-US" dirty="0" err="1"/>
-              <a:t>76x76</a:t>
-            </a:r>
-            <a:r>
-              <a:rPr lang="en-US" dirty="0"/>
-              <a:t> pixels resolution with 1:1000 scale</a:t>
+              <a:t>Problem statement</a:t>
             </a:r>
           </a:p>
         </p:txBody>
       </p:sp>
       <p:pic>
         <p:nvPicPr>
-          <p:cNvPr id="7" name="Picture 6">
+          <p:cNvPr id="3" name="Picture 2">
             <a:extLst>
               <a:ext uri="{FF2B5EF4-FFF2-40B4-BE49-F238E27FC236}">
-                <a16:creationId xmlns:a16="http://schemas.microsoft.com/office/drawing/2014/main" id="{67113A48-B712-4BAE-AA4D-014D3238E1BE}"/>
+                <a16:creationId xmlns:a16="http://schemas.microsoft.com/office/drawing/2014/main" id="{A1141F50-3D16-425E-84CE-2D75FD8DBAD7}"/>
               </a:ext>
             </a:extLst>
           </p:cNvPr>
@@ -11481,89 +11549,86 @@
           <p:nvPr/>
         </p:nvPicPr>
         <p:blipFill>
-          <a:blip r:embed="rId2"/>
+          <a:blip r:embed="rId2">
+            <a:extLst>
+              <a:ext uri="{28A0092B-C50C-407E-A947-70E740481C1C}">
+                <a14:useLocalDpi xmlns:a14="http://schemas.microsoft.com/office/drawing/2010/main" val="0"/>
+              </a:ext>
+            </a:extLst>
+          </a:blip>
           <a:stretch>
             <a:fillRect/>
           </a:stretch>
         </p:blipFill>
         <p:spPr>
           <a:xfrm>
-            <a:off x="2273969" y="2006787"/>
-            <a:ext cx="7741679" cy="4572000"/>
+            <a:off x="0" y="2476467"/>
+            <a:ext cx="14630400" cy="1447866"/>
           </a:xfrm>
           <a:prstGeom prst="rect">
             <a:avLst/>
           </a:prstGeom>
         </p:spPr>
       </p:pic>
-      <p:pic>
-        <p:nvPicPr>
-          <p:cNvPr id="8" name="Picture 7">
+      <p:sp>
+        <p:nvSpPr>
+          <p:cNvPr id="5" name="Title 1">
             <a:extLst>
               <a:ext uri="{FF2B5EF4-FFF2-40B4-BE49-F238E27FC236}">
-                <a16:creationId xmlns:a16="http://schemas.microsoft.com/office/drawing/2014/main" id="{46BAB1A3-8AA5-44C8-849D-10764946063D}"/>
+                <a16:creationId xmlns:a16="http://schemas.microsoft.com/office/drawing/2014/main" id="{8AA08297-EE01-4532-B5C6-9E020AC11413}"/>
               </a:ext>
             </a:extLst>
           </p:cNvPr>
-          <p:cNvPicPr>
-            <a:picLocks noChangeAspect="1"/>
-          </p:cNvPicPr>
+          <p:cNvSpPr txBox="1">
+            <a:spLocks/>
+          </p:cNvSpPr>
           <p:nvPr/>
-        </p:nvPicPr>
-        <p:blipFill>
-          <a:blip r:embed="rId3"/>
-          <a:stretch>
-            <a:fillRect/>
-          </a:stretch>
-        </p:blipFill>
-        <p:spPr>
-          <a:xfrm>
-            <a:off x="7506476" y="2012566"/>
-            <a:ext cx="7741679" cy="4572000"/>
+        </p:nvSpPr>
+        <p:spPr bwMode="gray">
+          <a:xfrm>
+            <a:off x="777240" y="4482552"/>
+            <a:ext cx="13075920" cy="910988"/>
           </a:xfrm>
           <a:prstGeom prst="rect">
             <a:avLst/>
           </a:prstGeom>
         </p:spPr>
-      </p:pic>
-      <p:sp>
-        <p:nvSpPr>
-          <p:cNvPr id="9" name="Rectangle 8">
-            <a:extLst>
-              <a:ext uri="{FF2B5EF4-FFF2-40B4-BE49-F238E27FC236}">
-                <a16:creationId xmlns:a16="http://schemas.microsoft.com/office/drawing/2014/main" id="{44D5D266-8174-4E2B-B798-AFAD1388715D}"/>
-              </a:ext>
-            </a:extLst>
-          </p:cNvPr>
-          <p:cNvSpPr/>
-          <p:nvPr/>
-        </p:nvSpPr>
-        <p:spPr>
-          <a:xfrm>
-            <a:off x="4062115" y="6624738"/>
-            <a:ext cx="7315200" cy="892552"/>
-          </a:xfrm>
-          <a:prstGeom prst="rect">
-            <a:avLst/>
-          </a:prstGeom>
-        </p:spPr>
-        <p:txBody>
-          <a:bodyPr>
-            <a:spAutoFit/>
+        <p:txBody>
+          <a:bodyPr vert="horz" lIns="0" tIns="0" rIns="0" bIns="0" rtlCol="0" anchor="b">
+            <a:noAutofit/>
           </a:bodyPr>
-          <a:lstStyle/>
-          <a:p>
-            <a:r>
-              <a:rPr lang="en-US" dirty="0"/>
-              <a:t>10,000 trees images and 30,000 non-tree images in the Leon County</a:t>
-            </a:r>
+          <a:lstStyle>
+            <a:lvl1pPr algn="l" defTabSz="1306220" rtl="0" eaLnBrk="1" latinLnBrk="0" hangingPunct="1">
+              <a:lnSpc>
+                <a:spcPct val="90000"/>
+              </a:lnSpc>
+              <a:spcBef>
+                <a:spcPct val="0"/>
+              </a:spcBef>
+              <a:buNone/>
+              <a:defRPr sz="3200" kern="1200" cap="all" baseline="0">
+                <a:solidFill>
+                  <a:schemeClr val="tx1"/>
+                </a:solidFill>
+                <a:latin typeface="+mj-lt"/>
+                <a:ea typeface="+mj-ea"/>
+                <a:cs typeface="+mj-cs"/>
+              </a:defRPr>
+            </a:lvl1pPr>
+          </a:lstStyle>
+          <a:p>
+            <a:r>
+              <a:rPr lang="en-US"/>
+              <a:t>How many trees ? </a:t>
+            </a:r>
+            <a:endParaRPr lang="en-US" dirty="0"/>
           </a:p>
         </p:txBody>
       </p:sp>
     </p:spTree>
     <p:extLst>
       <p:ext uri="{BB962C8B-B14F-4D97-AF65-F5344CB8AC3E}">
-        <p14:creationId xmlns:p14="http://schemas.microsoft.com/office/powerpoint/2010/main" val="810865537"/>
+        <p14:creationId xmlns:p14="http://schemas.microsoft.com/office/powerpoint/2010/main" val="1131663408"/>
       </p:ext>
     </p:extLst>
   </p:cSld>
@@ -11592,7 +11657,13 @@
       </p:grpSpPr>
       <p:sp>
         <p:nvSpPr>
-          <p:cNvPr id="8" name="Title 7"/>
+          <p:cNvPr id="2" name="Title 1">
+            <a:extLst>
+              <a:ext uri="{FF2B5EF4-FFF2-40B4-BE49-F238E27FC236}">
+                <a16:creationId xmlns:a16="http://schemas.microsoft.com/office/drawing/2014/main" id="{8AE2D849-3A5E-4CF6-94EF-CA4D59E48E51}"/>
+              </a:ext>
+            </a:extLst>
+          </p:cNvPr>
           <p:cNvSpPr>
             <a:spLocks noGrp="1"/>
           </p:cNvSpPr>
@@ -11607,14 +11678,20 @@
           <a:p>
             <a:r>
               <a:rPr lang="en-US" dirty="0"/>
-              <a:t>The architecture of CNN-I: tree recognition</a:t>
-            </a:r>
-          </a:p>
-        </p:txBody>
-      </p:sp>
-      <p:sp>
-        <p:nvSpPr>
-          <p:cNvPr id="9" name="Content Placeholder 8"/>
+              <a:t>Data set</a:t>
+            </a:r>
+          </a:p>
+        </p:txBody>
+      </p:sp>
+      <p:sp>
+        <p:nvSpPr>
+          <p:cNvPr id="4" name="Text Placeholder 3">
+            <a:extLst>
+              <a:ext uri="{FF2B5EF4-FFF2-40B4-BE49-F238E27FC236}">
+                <a16:creationId xmlns:a16="http://schemas.microsoft.com/office/drawing/2014/main" id="{F173574C-C8B9-4941-BF65-FDC4D91A6D22}"/>
+              </a:ext>
+            </a:extLst>
+          </p:cNvPr>
           <p:cNvSpPr>
             <a:spLocks noGrp="1"/>
           </p:cNvSpPr>
@@ -11622,97 +11699,40 @@
             <p:ph type="body" sz="quarter" idx="12"/>
           </p:nvPr>
         </p:nvSpPr>
-        <p:spPr>
-          <a:xfrm>
-            <a:off x="228600" y="712992"/>
-            <a:ext cx="3200400" cy="5943600"/>
-          </a:xfrm>
-        </p:spPr>
+        <p:spPr/>
         <p:txBody>
           <a:bodyPr/>
           <a:lstStyle/>
           <a:p>
             <a:r>
-              <a:rPr lang="en-US" sz="2600" dirty="0"/>
-              <a:t>The first network CNN-I was trained to recognize the existence of the tree from the satellite images. </a:t>
-            </a:r>
-          </a:p>
-          <a:p>
-            <a:r>
-              <a:rPr lang="en-US" sz="2600" dirty="0"/>
-              <a:t>The network was trained on GPU on 100 epochs, with the batch size equal to 128.  As an activation function a rectified linear (</a:t>
-            </a:r>
-            <a:r>
-              <a:rPr lang="en-US" sz="2600" dirty="0" err="1"/>
-              <a:t>ReLu</a:t>
-            </a:r>
-            <a:r>
-              <a:rPr lang="en-US" sz="2600" dirty="0"/>
-              <a:t>) </a:t>
-            </a:r>
-          </a:p>
-        </p:txBody>
-      </p:sp>
-      <p:sp>
-        <p:nvSpPr>
-          <p:cNvPr id="10" name="Title 7">
-            <a:extLst>
-              <a:ext uri="{FF2B5EF4-FFF2-40B4-BE49-F238E27FC236}">
-                <a16:creationId xmlns:a16="http://schemas.microsoft.com/office/drawing/2014/main" id="{F609F534-B100-460F-A518-03C700203412}"/>
-              </a:ext>
-            </a:extLst>
-          </p:cNvPr>
-          <p:cNvSpPr txBox="1">
-            <a:spLocks/>
-          </p:cNvSpPr>
-          <p:nvPr/>
-        </p:nvSpPr>
-        <p:spPr bwMode="gray">
-          <a:xfrm>
-            <a:off x="4338587" y="5723947"/>
-            <a:ext cx="9418320" cy="910988"/>
-          </a:xfrm>
-          <a:prstGeom prst="rect">
-            <a:avLst/>
-          </a:prstGeom>
-        </p:spPr>
-        <p:txBody>
-          <a:bodyPr vert="horz" lIns="0" tIns="0" rIns="0" bIns="0" rtlCol="0" anchor="b">
-            <a:noAutofit/>
-          </a:bodyPr>
-          <a:lstStyle>
-            <a:lvl1pPr algn="l" defTabSz="1306220" rtl="0" eaLnBrk="1" latinLnBrk="0" hangingPunct="1">
-              <a:lnSpc>
-                <a:spcPct val="90000"/>
-              </a:lnSpc>
-              <a:spcBef>
-                <a:spcPct val="0"/>
-              </a:spcBef>
-              <a:buNone/>
-              <a:defRPr sz="3200" kern="1200" cap="all" baseline="0">
-                <a:solidFill>
-                  <a:schemeClr val="tx1"/>
-                </a:solidFill>
-                <a:latin typeface="+mj-lt"/>
-                <a:ea typeface="+mj-ea"/>
-                <a:cs typeface="+mj-cs"/>
-              </a:defRPr>
-            </a:lvl1pPr>
-          </a:lstStyle>
-          <a:p>
-            <a:r>
               <a:rPr lang="en-US" dirty="0"/>
-              <a:t>98.5% accuracy</a:t>
+              <a:t>The dataset was composed of three-channel images (</a:t>
+            </a:r>
+            <a:r>
+              <a:rPr lang="en-US" dirty="0" err="1"/>
+              <a:t>rgb</a:t>
+            </a:r>
+            <a:r>
+              <a:rPr lang="en-US" dirty="0"/>
+              <a:t>) with the </a:t>
+            </a:r>
+            <a:r>
+              <a:rPr lang="en-US" dirty="0" err="1"/>
+              <a:t>76x76</a:t>
+            </a:r>
+            <a:r>
+              <a:rPr lang="en-US" dirty="0"/>
+              <a:t> pixels resolution with 1:1000 scale</a:t>
             </a:r>
           </a:p>
         </p:txBody>
       </p:sp>
       <p:pic>
         <p:nvPicPr>
-          <p:cNvPr id="3" name="Picture 2" descr="A screenshot of a cell phone&#10;&#10;Description automatically generated">
+          <p:cNvPr id="7" name="Picture 6">
             <a:extLst>
               <a:ext uri="{FF2B5EF4-FFF2-40B4-BE49-F238E27FC236}">
-                <a16:creationId xmlns:a16="http://schemas.microsoft.com/office/drawing/2014/main" id="{772BFAD2-72C6-43DB-9E07-DFDCFC85194C}"/>
+                <a16:creationId xmlns:a16="http://schemas.microsoft.com/office/drawing/2014/main" id="{67113A48-B712-4BAE-AA4D-014D3238E1BE}"/>
               </a:ext>
             </a:extLst>
           </p:cNvPr>
@@ -11721,31 +11741,90 @@
           </p:cNvPicPr>
           <p:nvPr/>
         </p:nvPicPr>
-        <p:blipFill rotWithShape="1">
-          <a:blip r:embed="rId2" cstate="print">
-            <a:extLst>
-              <a:ext uri="{28A0092B-C50C-407E-A947-70E740481C1C}">
-                <a14:useLocalDpi xmlns:a14="http://schemas.microsoft.com/office/drawing/2010/main" val="0"/>
-              </a:ext>
-            </a:extLst>
-          </a:blip>
-          <a:srcRect l="4854" t="27778" r="9997" b="43421"/>
-          <a:stretch/>
+        <p:blipFill>
+          <a:blip r:embed="rId2"/>
+          <a:stretch>
+            <a:fillRect/>
+          </a:stretch>
         </p:blipFill>
         <p:spPr>
           <a:xfrm>
-            <a:off x="3801978" y="2045367"/>
-            <a:ext cx="10740535" cy="3116180"/>
+            <a:off x="2273969" y="2006787"/>
+            <a:ext cx="7741679" cy="4572000"/>
           </a:xfrm>
           <a:prstGeom prst="rect">
             <a:avLst/>
           </a:prstGeom>
         </p:spPr>
       </p:pic>
+      <p:pic>
+        <p:nvPicPr>
+          <p:cNvPr id="8" name="Picture 7">
+            <a:extLst>
+              <a:ext uri="{FF2B5EF4-FFF2-40B4-BE49-F238E27FC236}">
+                <a16:creationId xmlns:a16="http://schemas.microsoft.com/office/drawing/2014/main" id="{46BAB1A3-8AA5-44C8-849D-10764946063D}"/>
+              </a:ext>
+            </a:extLst>
+          </p:cNvPr>
+          <p:cNvPicPr>
+            <a:picLocks noChangeAspect="1"/>
+          </p:cNvPicPr>
+          <p:nvPr/>
+        </p:nvPicPr>
+        <p:blipFill>
+          <a:blip r:embed="rId3"/>
+          <a:stretch>
+            <a:fillRect/>
+          </a:stretch>
+        </p:blipFill>
+        <p:spPr>
+          <a:xfrm>
+            <a:off x="7506476" y="2012566"/>
+            <a:ext cx="7741679" cy="4572000"/>
+          </a:xfrm>
+          <a:prstGeom prst="rect">
+            <a:avLst/>
+          </a:prstGeom>
+        </p:spPr>
+      </p:pic>
+      <p:sp>
+        <p:nvSpPr>
+          <p:cNvPr id="9" name="Rectangle 8">
+            <a:extLst>
+              <a:ext uri="{FF2B5EF4-FFF2-40B4-BE49-F238E27FC236}">
+                <a16:creationId xmlns:a16="http://schemas.microsoft.com/office/drawing/2014/main" id="{44D5D266-8174-4E2B-B798-AFAD1388715D}"/>
+              </a:ext>
+            </a:extLst>
+          </p:cNvPr>
+          <p:cNvSpPr/>
+          <p:nvPr/>
+        </p:nvSpPr>
+        <p:spPr>
+          <a:xfrm>
+            <a:off x="4062115" y="6624738"/>
+            <a:ext cx="7315200" cy="892552"/>
+          </a:xfrm>
+          <a:prstGeom prst="rect">
+            <a:avLst/>
+          </a:prstGeom>
+        </p:spPr>
+        <p:txBody>
+          <a:bodyPr>
+            <a:spAutoFit/>
+          </a:bodyPr>
+          <a:lstStyle/>
+          <a:p>
+            <a:r>
+              <a:rPr lang="en-US" dirty="0"/>
+              <a:t>10,000 trees images and 30,000 non-tree images in the Leon County</a:t>
+            </a:r>
+          </a:p>
+        </p:txBody>
+      </p:sp>
     </p:spTree>
     <p:extLst>
       <p:ext uri="{BB962C8B-B14F-4D97-AF65-F5344CB8AC3E}">
-        <p14:creationId xmlns:p14="http://schemas.microsoft.com/office/powerpoint/2010/main" val="895570980"/>
+        <p14:creationId xmlns:p14="http://schemas.microsoft.com/office/powerpoint/2010/main" val="810865537"/>
       </p:ext>
     </p:extLst>
   </p:cSld>
@@ -11772,84 +11851,75 @@
           <a:chExt cx="0" cy="0"/>
         </a:xfrm>
       </p:grpSpPr>
-      <p:pic>
-        <p:nvPicPr>
-          <p:cNvPr id="2" name="Picture 1" descr="A screenshot of a cell phone&#10;&#10;Description automatically generated">
+      <p:sp>
+        <p:nvSpPr>
+          <p:cNvPr id="8" name="Title 7"/>
+          <p:cNvSpPr>
+            <a:spLocks noGrp="1"/>
+          </p:cNvSpPr>
+          <p:nvPr>
+            <p:ph type="title"/>
+          </p:nvPr>
+        </p:nvSpPr>
+        <p:spPr/>
+        <p:txBody>
+          <a:bodyPr/>
+          <a:lstStyle/>
+          <a:p>
+            <a:r>
+              <a:rPr lang="en-US" dirty="0"/>
+              <a:t>The architecture of CNN-I: tree recognition</a:t>
+            </a:r>
+          </a:p>
+        </p:txBody>
+      </p:sp>
+      <p:sp>
+        <p:nvSpPr>
+          <p:cNvPr id="9" name="Content Placeholder 8"/>
+          <p:cNvSpPr>
+            <a:spLocks noGrp="1"/>
+          </p:cNvSpPr>
+          <p:nvPr>
+            <p:ph type="body" sz="quarter" idx="12"/>
+          </p:nvPr>
+        </p:nvSpPr>
+        <p:spPr>
+          <a:xfrm>
+            <a:off x="228600" y="712992"/>
+            <a:ext cx="3200400" cy="5943600"/>
+          </a:xfrm>
+        </p:spPr>
+        <p:txBody>
+          <a:bodyPr/>
+          <a:lstStyle/>
+          <a:p>
+            <a:r>
+              <a:rPr lang="en-US" sz="2600" dirty="0"/>
+              <a:t>The first network CNN-I was trained to recognize the existence of the tree from the satellite images. </a:t>
+            </a:r>
+          </a:p>
+          <a:p>
+            <a:r>
+              <a:rPr lang="en-US" sz="2600" dirty="0"/>
+              <a:t>The network was trained on GPU on 100 epochs, with the batch size equal to 128.  As an activation function a rectified linear (</a:t>
+            </a:r>
+            <a:r>
+              <a:rPr lang="en-US" sz="2600" dirty="0" err="1"/>
+              <a:t>ReLu</a:t>
+            </a:r>
+            <a:r>
+              <a:rPr lang="en-US" sz="2600" dirty="0"/>
+              <a:t>) </a:t>
+            </a:r>
+          </a:p>
+        </p:txBody>
+      </p:sp>
+      <p:sp>
+        <p:nvSpPr>
+          <p:cNvPr id="10" name="Title 7">
             <a:extLst>
               <a:ext uri="{FF2B5EF4-FFF2-40B4-BE49-F238E27FC236}">
-                <a16:creationId xmlns:a16="http://schemas.microsoft.com/office/drawing/2014/main" id="{5BDE63EA-83D9-4231-BB82-46A7205B2014}"/>
-              </a:ext>
-            </a:extLst>
-          </p:cNvPr>
-          <p:cNvPicPr>
-            <a:picLocks noChangeAspect="1"/>
-          </p:cNvPicPr>
-          <p:nvPr/>
-        </p:nvPicPr>
-        <p:blipFill>
-          <a:blip r:embed="rId2" cstate="print">
-            <a:extLst>
-              <a:ext uri="{28A0092B-C50C-407E-A947-70E740481C1C}">
-                <a14:useLocalDpi xmlns:a14="http://schemas.microsoft.com/office/drawing/2010/main" val="0"/>
-              </a:ext>
-            </a:extLst>
-          </a:blip>
-          <a:stretch>
-            <a:fillRect/>
-          </a:stretch>
-        </p:blipFill>
-        <p:spPr>
-          <a:xfrm>
-            <a:off x="637672" y="769241"/>
-            <a:ext cx="5943600" cy="3962400"/>
-          </a:xfrm>
-          <a:prstGeom prst="rect">
-            <a:avLst/>
-          </a:prstGeom>
-        </p:spPr>
-      </p:pic>
-      <p:pic>
-        <p:nvPicPr>
-          <p:cNvPr id="3" name="Picture 2" descr="A screenshot of a social media post&#10;&#10;Description automatically generated">
-            <a:extLst>
-              <a:ext uri="{FF2B5EF4-FFF2-40B4-BE49-F238E27FC236}">
-                <a16:creationId xmlns:a16="http://schemas.microsoft.com/office/drawing/2014/main" id="{F341478D-06E0-4D52-A0D8-8FC16F767022}"/>
-              </a:ext>
-            </a:extLst>
-          </p:cNvPr>
-          <p:cNvPicPr>
-            <a:picLocks noChangeAspect="1"/>
-          </p:cNvPicPr>
-          <p:nvPr/>
-        </p:nvPicPr>
-        <p:blipFill>
-          <a:blip r:embed="rId3" cstate="print">
-            <a:extLst>
-              <a:ext uri="{28A0092B-C50C-407E-A947-70E740481C1C}">
-                <a14:useLocalDpi xmlns:a14="http://schemas.microsoft.com/office/drawing/2010/main" val="0"/>
-              </a:ext>
-            </a:extLst>
-          </a:blip>
-          <a:stretch>
-            <a:fillRect/>
-          </a:stretch>
-        </p:blipFill>
-        <p:spPr>
-          <a:xfrm>
-            <a:off x="7501688" y="769241"/>
-            <a:ext cx="5943600" cy="3962400"/>
-          </a:xfrm>
-          <a:prstGeom prst="rect">
-            <a:avLst/>
-          </a:prstGeom>
-        </p:spPr>
-      </p:pic>
-      <p:sp>
-        <p:nvSpPr>
-          <p:cNvPr id="4" name="Title 7">
-            <a:extLst>
-              <a:ext uri="{FF2B5EF4-FFF2-40B4-BE49-F238E27FC236}">
-                <a16:creationId xmlns:a16="http://schemas.microsoft.com/office/drawing/2014/main" id="{C65B52C4-DB49-4996-BEE6-4B100A2ADEB8}"/>
+                <a16:creationId xmlns:a16="http://schemas.microsoft.com/office/drawing/2014/main" id="{F609F534-B100-460F-A518-03C700203412}"/>
               </a:ext>
             </a:extLst>
           </p:cNvPr>
@@ -11860,8 +11930,8 @@
         </p:nvSpPr>
         <p:spPr bwMode="gray">
           <a:xfrm>
-            <a:off x="2100713" y="4764651"/>
-            <a:ext cx="3048803" cy="910988"/>
+            <a:off x="4338587" y="5723947"/>
+            <a:ext cx="9418320" cy="910988"/>
           </a:xfrm>
           <a:prstGeom prst="rect">
             <a:avLst/>
@@ -11893,69 +11963,50 @@
           <a:p>
             <a:r>
               <a:rPr lang="en-US" dirty="0"/>
-              <a:t>Accuracy </a:t>
-            </a:r>
-          </a:p>
-        </p:txBody>
-      </p:sp>
-      <p:sp>
-        <p:nvSpPr>
-          <p:cNvPr id="5" name="Title 7">
+              <a:t>98.5% accuracy</a:t>
+            </a:r>
+          </a:p>
+        </p:txBody>
+      </p:sp>
+      <p:pic>
+        <p:nvPicPr>
+          <p:cNvPr id="3" name="Picture 2" descr="A screenshot of a cell phone&#10;&#10;Description automatically generated">
             <a:extLst>
               <a:ext uri="{FF2B5EF4-FFF2-40B4-BE49-F238E27FC236}">
-                <a16:creationId xmlns:a16="http://schemas.microsoft.com/office/drawing/2014/main" id="{C779782D-C85D-4A68-AAD2-5FB2BDFB76E7}"/>
+                <a16:creationId xmlns:a16="http://schemas.microsoft.com/office/drawing/2014/main" id="{772BFAD2-72C6-43DB-9E07-DFDCFC85194C}"/>
               </a:ext>
             </a:extLst>
           </p:cNvPr>
-          <p:cNvSpPr txBox="1">
-            <a:spLocks/>
-          </p:cNvSpPr>
+          <p:cNvPicPr>
+            <a:picLocks noChangeAspect="1"/>
+          </p:cNvPicPr>
           <p:nvPr/>
-        </p:nvSpPr>
-        <p:spPr bwMode="gray">
-          <a:xfrm>
-            <a:off x="7962096" y="4909775"/>
-            <a:ext cx="5338813" cy="910988"/>
+        </p:nvPicPr>
+        <p:blipFill rotWithShape="1">
+          <a:blip r:embed="rId2" cstate="print">
+            <a:extLst>
+              <a:ext uri="{28A0092B-C50C-407E-A947-70E740481C1C}">
+                <a14:useLocalDpi xmlns:a14="http://schemas.microsoft.com/office/drawing/2010/main" val="0"/>
+              </a:ext>
+            </a:extLst>
+          </a:blip>
+          <a:srcRect l="4854" t="27778" r="9997" b="43421"/>
+          <a:stretch/>
+        </p:blipFill>
+        <p:spPr>
+          <a:xfrm>
+            <a:off x="3801978" y="2045367"/>
+            <a:ext cx="10740535" cy="3116180"/>
           </a:xfrm>
           <a:prstGeom prst="rect">
             <a:avLst/>
           </a:prstGeom>
         </p:spPr>
-        <p:txBody>
-          <a:bodyPr vert="horz" lIns="0" tIns="0" rIns="0" bIns="0" rtlCol="0" anchor="b">
-            <a:noAutofit/>
-          </a:bodyPr>
-          <a:lstStyle>
-            <a:lvl1pPr algn="l" defTabSz="1306220" rtl="0" eaLnBrk="1" latinLnBrk="0" hangingPunct="1">
-              <a:lnSpc>
-                <a:spcPct val="90000"/>
-              </a:lnSpc>
-              <a:spcBef>
-                <a:spcPct val="0"/>
-              </a:spcBef>
-              <a:buNone/>
-              <a:defRPr sz="3200" kern="1200" cap="all" baseline="0">
-                <a:solidFill>
-                  <a:schemeClr val="tx1"/>
-                </a:solidFill>
-                <a:latin typeface="+mj-lt"/>
-                <a:ea typeface="+mj-ea"/>
-                <a:cs typeface="+mj-cs"/>
-              </a:defRPr>
-            </a:lvl1pPr>
-          </a:lstStyle>
-          <a:p>
-            <a:r>
-              <a:rPr lang="en-US" dirty="0"/>
-              <a:t>Loss -Cross-entropy </a:t>
-            </a:r>
-          </a:p>
-        </p:txBody>
-      </p:sp>
+      </p:pic>
     </p:spTree>
     <p:extLst>
       <p:ext uri="{BB962C8B-B14F-4D97-AF65-F5344CB8AC3E}">
-        <p14:creationId xmlns:p14="http://schemas.microsoft.com/office/powerpoint/2010/main" val="1208448210"/>
+        <p14:creationId xmlns:p14="http://schemas.microsoft.com/office/powerpoint/2010/main" val="895570980"/>
       </p:ext>
     </p:extLst>
   </p:cSld>
@@ -11984,6 +12035,216 @@
       </p:grpSpPr>
       <p:pic>
         <p:nvPicPr>
+          <p:cNvPr id="2" name="Picture 1" descr="A screenshot of a cell phone&#10;&#10;Description automatically generated">
+            <a:extLst>
+              <a:ext uri="{FF2B5EF4-FFF2-40B4-BE49-F238E27FC236}">
+                <a16:creationId xmlns:a16="http://schemas.microsoft.com/office/drawing/2014/main" id="{5BDE63EA-83D9-4231-BB82-46A7205B2014}"/>
+              </a:ext>
+            </a:extLst>
+          </p:cNvPr>
+          <p:cNvPicPr>
+            <a:picLocks noChangeAspect="1"/>
+          </p:cNvPicPr>
+          <p:nvPr/>
+        </p:nvPicPr>
+        <p:blipFill>
+          <a:blip r:embed="rId2" cstate="print">
+            <a:extLst>
+              <a:ext uri="{28A0092B-C50C-407E-A947-70E740481C1C}">
+                <a14:useLocalDpi xmlns:a14="http://schemas.microsoft.com/office/drawing/2010/main" val="0"/>
+              </a:ext>
+            </a:extLst>
+          </a:blip>
+          <a:stretch>
+            <a:fillRect/>
+          </a:stretch>
+        </p:blipFill>
+        <p:spPr>
+          <a:xfrm>
+            <a:off x="637672" y="769241"/>
+            <a:ext cx="5943600" cy="3962400"/>
+          </a:xfrm>
+          <a:prstGeom prst="rect">
+            <a:avLst/>
+          </a:prstGeom>
+        </p:spPr>
+      </p:pic>
+      <p:pic>
+        <p:nvPicPr>
+          <p:cNvPr id="3" name="Picture 2" descr="A screenshot of a social media post&#10;&#10;Description automatically generated">
+            <a:extLst>
+              <a:ext uri="{FF2B5EF4-FFF2-40B4-BE49-F238E27FC236}">
+                <a16:creationId xmlns:a16="http://schemas.microsoft.com/office/drawing/2014/main" id="{F341478D-06E0-4D52-A0D8-8FC16F767022}"/>
+              </a:ext>
+            </a:extLst>
+          </p:cNvPr>
+          <p:cNvPicPr>
+            <a:picLocks noChangeAspect="1"/>
+          </p:cNvPicPr>
+          <p:nvPr/>
+        </p:nvPicPr>
+        <p:blipFill>
+          <a:blip r:embed="rId3" cstate="print">
+            <a:extLst>
+              <a:ext uri="{28A0092B-C50C-407E-A947-70E740481C1C}">
+                <a14:useLocalDpi xmlns:a14="http://schemas.microsoft.com/office/drawing/2010/main" val="0"/>
+              </a:ext>
+            </a:extLst>
+          </a:blip>
+          <a:stretch>
+            <a:fillRect/>
+          </a:stretch>
+        </p:blipFill>
+        <p:spPr>
+          <a:xfrm>
+            <a:off x="7501688" y="769241"/>
+            <a:ext cx="5943600" cy="3962400"/>
+          </a:xfrm>
+          <a:prstGeom prst="rect">
+            <a:avLst/>
+          </a:prstGeom>
+        </p:spPr>
+      </p:pic>
+      <p:sp>
+        <p:nvSpPr>
+          <p:cNvPr id="4" name="Title 7">
+            <a:extLst>
+              <a:ext uri="{FF2B5EF4-FFF2-40B4-BE49-F238E27FC236}">
+                <a16:creationId xmlns:a16="http://schemas.microsoft.com/office/drawing/2014/main" id="{C65B52C4-DB49-4996-BEE6-4B100A2ADEB8}"/>
+              </a:ext>
+            </a:extLst>
+          </p:cNvPr>
+          <p:cNvSpPr txBox="1">
+            <a:spLocks/>
+          </p:cNvSpPr>
+          <p:nvPr/>
+        </p:nvSpPr>
+        <p:spPr bwMode="gray">
+          <a:xfrm>
+            <a:off x="2100713" y="4764651"/>
+            <a:ext cx="3048803" cy="910988"/>
+          </a:xfrm>
+          <a:prstGeom prst="rect">
+            <a:avLst/>
+          </a:prstGeom>
+        </p:spPr>
+        <p:txBody>
+          <a:bodyPr vert="horz" lIns="0" tIns="0" rIns="0" bIns="0" rtlCol="0" anchor="b">
+            <a:noAutofit/>
+          </a:bodyPr>
+          <a:lstStyle>
+            <a:lvl1pPr algn="l" defTabSz="1306220" rtl="0" eaLnBrk="1" latinLnBrk="0" hangingPunct="1">
+              <a:lnSpc>
+                <a:spcPct val="90000"/>
+              </a:lnSpc>
+              <a:spcBef>
+                <a:spcPct val="0"/>
+              </a:spcBef>
+              <a:buNone/>
+              <a:defRPr sz="3200" kern="1200" cap="all" baseline="0">
+                <a:solidFill>
+                  <a:schemeClr val="tx1"/>
+                </a:solidFill>
+                <a:latin typeface="+mj-lt"/>
+                <a:ea typeface="+mj-ea"/>
+                <a:cs typeface="+mj-cs"/>
+              </a:defRPr>
+            </a:lvl1pPr>
+          </a:lstStyle>
+          <a:p>
+            <a:r>
+              <a:rPr lang="en-US" dirty="0"/>
+              <a:t>Accuracy </a:t>
+            </a:r>
+          </a:p>
+        </p:txBody>
+      </p:sp>
+      <p:sp>
+        <p:nvSpPr>
+          <p:cNvPr id="5" name="Title 7">
+            <a:extLst>
+              <a:ext uri="{FF2B5EF4-FFF2-40B4-BE49-F238E27FC236}">
+                <a16:creationId xmlns:a16="http://schemas.microsoft.com/office/drawing/2014/main" id="{C779782D-C85D-4A68-AAD2-5FB2BDFB76E7}"/>
+              </a:ext>
+            </a:extLst>
+          </p:cNvPr>
+          <p:cNvSpPr txBox="1">
+            <a:spLocks/>
+          </p:cNvSpPr>
+          <p:nvPr/>
+        </p:nvSpPr>
+        <p:spPr bwMode="gray">
+          <a:xfrm>
+            <a:off x="7962096" y="4909775"/>
+            <a:ext cx="5338813" cy="910988"/>
+          </a:xfrm>
+          <a:prstGeom prst="rect">
+            <a:avLst/>
+          </a:prstGeom>
+        </p:spPr>
+        <p:txBody>
+          <a:bodyPr vert="horz" lIns="0" tIns="0" rIns="0" bIns="0" rtlCol="0" anchor="b">
+            <a:noAutofit/>
+          </a:bodyPr>
+          <a:lstStyle>
+            <a:lvl1pPr algn="l" defTabSz="1306220" rtl="0" eaLnBrk="1" latinLnBrk="0" hangingPunct="1">
+              <a:lnSpc>
+                <a:spcPct val="90000"/>
+              </a:lnSpc>
+              <a:spcBef>
+                <a:spcPct val="0"/>
+              </a:spcBef>
+              <a:buNone/>
+              <a:defRPr sz="3200" kern="1200" cap="all" baseline="0">
+                <a:solidFill>
+                  <a:schemeClr val="tx1"/>
+                </a:solidFill>
+                <a:latin typeface="+mj-lt"/>
+                <a:ea typeface="+mj-ea"/>
+                <a:cs typeface="+mj-cs"/>
+              </a:defRPr>
+            </a:lvl1pPr>
+          </a:lstStyle>
+          <a:p>
+            <a:r>
+              <a:rPr lang="en-US" dirty="0"/>
+              <a:t>Loss -Cross-entropy </a:t>
+            </a:r>
+          </a:p>
+        </p:txBody>
+      </p:sp>
+    </p:spTree>
+    <p:extLst>
+      <p:ext uri="{BB962C8B-B14F-4D97-AF65-F5344CB8AC3E}">
+        <p14:creationId xmlns:p14="http://schemas.microsoft.com/office/powerpoint/2010/main" val="1208448210"/>
+      </p:ext>
+    </p:extLst>
+  </p:cSld>
+  <p:clrMapOvr>
+    <a:masterClrMapping/>
+  </p:clrMapOvr>
+</p:sld>
+</file>
+
+<file path=ppt/slides/slide8.xml><?xml version="1.0" encoding="utf-8"?>
+<p:sld xmlns:a="http://schemas.openxmlformats.org/drawingml/2006/main" xmlns:r="http://schemas.openxmlformats.org/officeDocument/2006/relationships" xmlns:p="http://schemas.openxmlformats.org/presentationml/2006/main">
+  <p:cSld>
+    <p:spTree>
+      <p:nvGrpSpPr>
+        <p:cNvPr id="1" name=""/>
+        <p:cNvGrpSpPr/>
+        <p:nvPr/>
+      </p:nvGrpSpPr>
+      <p:grpSpPr>
+        <a:xfrm>
+          <a:off x="0" y="0"/>
+          <a:ext cx="0" cy="0"/>
+          <a:chOff x="0" y="0"/>
+          <a:chExt cx="0" cy="0"/>
+        </a:xfrm>
+      </p:grpSpPr>
+      <p:pic>
+        <p:nvPicPr>
           <p:cNvPr id="3" name="Picture 2">
             <a:extLst>
               <a:ext uri="{FF2B5EF4-FFF2-40B4-BE49-F238E27FC236}">
@@ -12478,7 +12739,7 @@
 </p:sld>
 </file>
 
-<file path=ppt/slides/slide8.xml><?xml version="1.0" encoding="utf-8"?>
+<file path=ppt/slides/slide9.xml><?xml version="1.0" encoding="utf-8"?>
 <p:sld xmlns:a="http://schemas.openxmlformats.org/drawingml/2006/main" xmlns:r="http://schemas.openxmlformats.org/officeDocument/2006/relationships" xmlns:p="http://schemas.openxmlformats.org/presentationml/2006/main">
   <p:cSld>
     <p:spTree>
@@ -12823,191 +13084,6 @@
     <p:extLst>
       <p:ext uri="{BB962C8B-B14F-4D97-AF65-F5344CB8AC3E}">
         <p14:creationId xmlns:p14="http://schemas.microsoft.com/office/powerpoint/2010/main" val="3132974289"/>
-      </p:ext>
-    </p:extLst>
-  </p:cSld>
-  <p:clrMapOvr>
-    <a:masterClrMapping/>
-  </p:clrMapOvr>
-</p:sld>
-</file>
-
-<file path=ppt/slides/slide9.xml><?xml version="1.0" encoding="utf-8"?>
-<p:sld xmlns:a="http://schemas.openxmlformats.org/drawingml/2006/main" xmlns:r="http://schemas.openxmlformats.org/officeDocument/2006/relationships" xmlns:p="http://schemas.openxmlformats.org/presentationml/2006/main">
-  <p:cSld>
-    <p:spTree>
-      <p:nvGrpSpPr>
-        <p:cNvPr id="1" name=""/>
-        <p:cNvGrpSpPr/>
-        <p:nvPr/>
-      </p:nvGrpSpPr>
-      <p:grpSpPr>
-        <a:xfrm>
-          <a:off x="0" y="0"/>
-          <a:ext cx="0" cy="0"/>
-          <a:chOff x="0" y="0"/>
-          <a:chExt cx="0" cy="0"/>
-        </a:xfrm>
-      </p:grpSpPr>
-      <p:sp>
-        <p:nvSpPr>
-          <p:cNvPr id="7" name="Title 6"/>
-          <p:cNvSpPr>
-            <a:spLocks noGrp="1"/>
-          </p:cNvSpPr>
-          <p:nvPr>
-            <p:ph type="title"/>
-          </p:nvPr>
-        </p:nvSpPr>
-        <p:spPr>
-          <a:xfrm>
-            <a:off x="369518" y="877525"/>
-            <a:ext cx="13075920" cy="910988"/>
-          </a:xfrm>
-        </p:spPr>
-        <p:txBody>
-          <a:bodyPr/>
-          <a:lstStyle/>
-          <a:p>
-            <a:r>
-              <a:rPr lang="en-US" dirty="0"/>
-              <a:t>CNN recognition  </a:t>
-            </a:r>
-          </a:p>
-        </p:txBody>
-      </p:sp>
-      <p:pic>
-        <p:nvPicPr>
-          <p:cNvPr id="3" name="Picture 2">
-            <a:extLst>
-              <a:ext uri="{FF2B5EF4-FFF2-40B4-BE49-F238E27FC236}">
-                <a16:creationId xmlns:a16="http://schemas.microsoft.com/office/drawing/2014/main" id="{129DB2F4-5502-415D-A6C3-02832E898ECB}"/>
-              </a:ext>
-            </a:extLst>
-          </p:cNvPr>
-          <p:cNvPicPr>
-            <a:picLocks noChangeAspect="1"/>
-          </p:cNvPicPr>
-          <p:nvPr/>
-        </p:nvPicPr>
-        <p:blipFill rotWithShape="1">
-          <a:blip r:embed="rId2" cstate="print">
-            <a:extLst>
-              <a:ext uri="{28A0092B-C50C-407E-A947-70E740481C1C}">
-                <a14:useLocalDpi xmlns:a14="http://schemas.microsoft.com/office/drawing/2010/main" val="0"/>
-              </a:ext>
-            </a:extLst>
-          </a:blip>
-          <a:srcRect l="20107" t="23452" r="9571" b="22262"/>
-          <a:stretch/>
-        </p:blipFill>
-        <p:spPr>
-          <a:xfrm>
-            <a:off x="143063" y="1914671"/>
-            <a:ext cx="14222821" cy="1645920"/>
-          </a:xfrm>
-          <a:prstGeom prst="rect">
-            <a:avLst/>
-          </a:prstGeom>
-        </p:spPr>
-      </p:pic>
-      <p:pic>
-        <p:nvPicPr>
-          <p:cNvPr id="4" name="Picture 3">
-            <a:extLst>
-              <a:ext uri="{FF2B5EF4-FFF2-40B4-BE49-F238E27FC236}">
-                <a16:creationId xmlns:a16="http://schemas.microsoft.com/office/drawing/2014/main" id="{EC15DF26-41F8-4B43-AFAD-1A52B853D895}"/>
-              </a:ext>
-            </a:extLst>
-          </p:cNvPr>
-          <p:cNvPicPr>
-            <a:picLocks noChangeAspect="1"/>
-          </p:cNvPicPr>
-          <p:nvPr/>
-        </p:nvPicPr>
-        <p:blipFill rotWithShape="1">
-          <a:blip r:embed="rId3" cstate="print">
-            <a:extLst>
-              <a:ext uri="{28A0092B-C50C-407E-A947-70E740481C1C}">
-                <a14:useLocalDpi xmlns:a14="http://schemas.microsoft.com/office/drawing/2010/main" val="0"/>
-              </a:ext>
-            </a:extLst>
-          </a:blip>
-          <a:srcRect l="20071" t="22500" r="9644" b="22262"/>
-          <a:stretch/>
-        </p:blipFill>
-        <p:spPr>
-          <a:xfrm>
-            <a:off x="143063" y="4516631"/>
-            <a:ext cx="13967324" cy="1645920"/>
-          </a:xfrm>
-          <a:prstGeom prst="rect">
-            <a:avLst/>
-          </a:prstGeom>
-        </p:spPr>
-      </p:pic>
-      <p:sp>
-        <p:nvSpPr>
-          <p:cNvPr id="6" name="Title 6">
-            <a:extLst>
-              <a:ext uri="{FF2B5EF4-FFF2-40B4-BE49-F238E27FC236}">
-                <a16:creationId xmlns:a16="http://schemas.microsoft.com/office/drawing/2014/main" id="{6A16274C-7ACF-40CF-A2A9-AB38DB6EF387}"/>
-              </a:ext>
-            </a:extLst>
-          </p:cNvPr>
-          <p:cNvSpPr txBox="1">
-            <a:spLocks/>
-          </p:cNvSpPr>
-          <p:nvPr/>
-        </p:nvSpPr>
-        <p:spPr bwMode="gray">
-          <a:xfrm>
-            <a:off x="457200" y="3442892"/>
-            <a:ext cx="13075920" cy="910988"/>
-          </a:xfrm>
-          <a:prstGeom prst="rect">
-            <a:avLst/>
-          </a:prstGeom>
-        </p:spPr>
-        <p:txBody>
-          <a:bodyPr vert="horz" lIns="0" tIns="0" rIns="0" bIns="0" rtlCol="0" anchor="b">
-            <a:noAutofit/>
-          </a:bodyPr>
-          <a:lstStyle>
-            <a:lvl1pPr algn="l" defTabSz="1306220" rtl="0" eaLnBrk="1" latinLnBrk="0" hangingPunct="1">
-              <a:lnSpc>
-                <a:spcPct val="90000"/>
-              </a:lnSpc>
-              <a:spcBef>
-                <a:spcPct val="0"/>
-              </a:spcBef>
-              <a:buNone/>
-              <a:defRPr sz="3200" kern="1200" cap="all" baseline="0">
-                <a:solidFill>
-                  <a:schemeClr val="tx1"/>
-                </a:solidFill>
-                <a:latin typeface="+mj-lt"/>
-                <a:ea typeface="+mj-ea"/>
-                <a:cs typeface="+mj-cs"/>
-              </a:defRPr>
-            </a:lvl1pPr>
-          </a:lstStyle>
-          <a:p>
-            <a:r>
-              <a:rPr lang="pl-PL" dirty="0"/>
-              <a:t>After clustering</a:t>
-            </a:r>
-            <a:r>
-              <a:rPr lang="en-US" dirty="0"/>
-              <a:t> </a:t>
-            </a:r>
-          </a:p>
-        </p:txBody>
-      </p:sp>
-    </p:spTree>
-    <p:extLst>
-      <p:ext uri="{BB962C8B-B14F-4D97-AF65-F5344CB8AC3E}">
-        <p14:creationId xmlns:p14="http://schemas.microsoft.com/office/powerpoint/2010/main" val="3706268026"/>
       </p:ext>
     </p:extLst>
   </p:cSld>
@@ -13861,15 +13937,6 @@
 </file>
 
 <file path=customXml/item1.xml><?xml version="1.0" encoding="utf-8"?>
-<?mso-contentType ?>
-<FormTemplates xmlns="http://schemas.microsoft.com/sharepoint/v3/contenttype/forms">
-  <Display>DocumentLibraryForm</Display>
-  <Edit>DocumentLibraryForm</Edit>
-  <New>DocumentLibraryForm</New>
-</FormTemplates>
-</file>
-
-<file path=customXml/item2.xml><?xml version="1.0" encoding="utf-8"?>
 <ct:contentTypeSchema xmlns:ct="http://schemas.microsoft.com/office/2006/metadata/contentType" xmlns:ma="http://schemas.microsoft.com/office/2006/metadata/properties/metaAttributes" ct:_="" ma:_="" ma:contentTypeName="Document" ma:contentTypeID="0x010100B1B25A5F1773BC4F80B99506F16B9FE2" ma:contentTypeVersion="9" ma:contentTypeDescription="Create a new document." ma:contentTypeScope="" ma:versionID="8cf0c6093ccbd7de0f09f24d2c6477b3">
   <xsd:schema xmlns:xsd="http://www.w3.org/2001/XMLSchema" xmlns:xs="http://www.w3.org/2001/XMLSchema" xmlns:p="http://schemas.microsoft.com/office/2006/metadata/properties" xmlns:ns1="http://schemas.microsoft.com/sharepoint/v3" xmlns:ns2="AD7DDE86-0C87-4EFD-91C7-602BD9FCCBCC" xmlns:ns3="1fde35c0-ca52-4a70-9e76-da9203353a08" targetNamespace="http://schemas.microsoft.com/office/2006/metadata/properties" ma:root="true" ma:fieldsID="0ec23fe06f2c12f68062247aef1eefdc" ns1:_="" ns2:_="" ns3:_="">
     <xsd:import namespace="http://schemas.microsoft.com/sharepoint/v3"/>
@@ -14047,6 +14114,15 @@
 </ct:contentTypeSchema>
 </file>
 
+<file path=customXml/item2.xml><?xml version="1.0" encoding="utf-8"?>
+<?mso-contentType ?>
+<FormTemplates xmlns="http://schemas.microsoft.com/sharepoint/v3/contenttype/forms">
+  <Display>DocumentLibraryForm</Display>
+  <Edit>DocumentLibraryForm</Edit>
+  <New>DocumentLibraryForm</New>
+</FormTemplates>
+</file>
+
 <file path=customXml/item3.xml><?xml version="1.0" encoding="utf-8"?>
 <p:properties xmlns:p="http://schemas.microsoft.com/office/2006/metadata/properties" xmlns:xsi="http://www.w3.org/2001/XMLSchema-instance" xmlns:pc="http://schemas.microsoft.com/office/infopath/2007/PartnerControls">
   <documentManagement>
@@ -14058,14 +14134,6 @@
 </file>
 
 <file path=customXml/itemProps1.xml><?xml version="1.0" encoding="utf-8"?>
-<ds:datastoreItem xmlns:ds="http://schemas.openxmlformats.org/officeDocument/2006/customXml" ds:itemID="{29E0A087-409B-4BF0-A9BD-17D052B303AB}">
-  <ds:schemaRefs>
-    <ds:schemaRef ds:uri="http://schemas.microsoft.com/sharepoint/v3/contenttype/forms"/>
-  </ds:schemaRefs>
-</ds:datastoreItem>
-</file>
-
-<file path=customXml/itemProps2.xml><?xml version="1.0" encoding="utf-8"?>
 <ds:datastoreItem xmlns:ds="http://schemas.openxmlformats.org/officeDocument/2006/customXml" ds:itemID="{2C9AFB12-4A57-43C7-BF27-C0F1051EB425}">
   <ds:schemaRefs>
     <ds:schemaRef ds:uri="http://schemas.microsoft.com/office/2006/metadata/contentType"/>
@@ -14081,6 +14149,14 @@
     <ds:schemaRef ds:uri="http://purl.org/dc/elements/1.1/"/>
     <ds:schemaRef ds:uri="http://purl.org/dc/terms/"/>
     <ds:schemaRef ds:uri="http://schemas.microsoft.com/internal/obd"/>
+  </ds:schemaRefs>
+</ds:datastoreItem>
+</file>
+
+<file path=customXml/itemProps2.xml><?xml version="1.0" encoding="utf-8"?>
+<ds:datastoreItem xmlns:ds="http://schemas.openxmlformats.org/officeDocument/2006/customXml" ds:itemID="{29E0A087-409B-4BF0-A9BD-17D052B303AB}">
+  <ds:schemaRefs>
+    <ds:schemaRef ds:uri="http://schemas.microsoft.com/sharepoint/v3/contenttype/forms"/>
   </ds:schemaRefs>
 </ds:datastoreItem>
 </file>
